--- a/2015-2016/clases/informatica_basica/clase_6/politicas_seguridad/clase_6_politicas_seguridad.pptx
+++ b/2015-2016/clases/informatica_basica/clase_6/politicas_seguridad/clase_6_politicas_seguridad.pptx
@@ -1,28 +1,123 @@
 
 <file path=ppt/presentation.xml><?xml version="1.0" encoding="utf-8"?>
-<p:presentation xmlns:a="http://schemas.openxmlformats.org/drawingml/2006/main" xmlns:p="http://schemas.openxmlformats.org/presentationml/2006/main" xmlns:r="http://schemas.openxmlformats.org/officeDocument/2006/relationships">
+<p:presentation xmlns:a="http://schemas.openxmlformats.org/drawingml/2006/main" xmlns:r="http://schemas.openxmlformats.org/officeDocument/2006/relationships" xmlns:p="http://schemas.openxmlformats.org/presentationml/2006/main">
   <p:sldMasterIdLst>
-    <p:sldMasterId id="2147483648" r:id="rId2"/>
-    <p:sldMasterId id="2147483661" r:id="rId3"/>
-    <p:sldMasterId id="2147483674" r:id="rId4"/>
-    <p:sldMasterId id="2147483687" r:id="rId5"/>
+    <p:sldMasterId id="2147483648" r:id="rId1"/>
+    <p:sldMasterId id="2147483661" r:id="rId2"/>
+    <p:sldMasterId id="2147483674" r:id="rId3"/>
+    <p:sldMasterId id="2147483687" r:id="rId4"/>
   </p:sldMasterIdLst>
   <p:sldIdLst>
-    <p:sldId id="256" r:id="rId6"/>
-    <p:sldId id="257" r:id="rId7"/>
-    <p:sldId id="258" r:id="rId8"/>
-    <p:sldId id="259" r:id="rId9"/>
-    <p:sldId id="260" r:id="rId10"/>
-    <p:sldId id="261" r:id="rId11"/>
-    <p:sldId id="262" r:id="rId12"/>
+    <p:sldId id="256" r:id="rId5"/>
+    <p:sldId id="257" r:id="rId6"/>
+    <p:sldId id="258" r:id="rId7"/>
+    <p:sldId id="259" r:id="rId8"/>
+    <p:sldId id="260" r:id="rId9"/>
+    <p:sldId id="261" r:id="rId10"/>
+    <p:sldId id="262" r:id="rId11"/>
   </p:sldIdLst>
   <p:sldSz cx="10080625" cy="7559675"/>
-  <p:notesSz cx="7559675" cy="10691812"/>
+  <p:notesSz cx="7559675" cy="10691813"/>
+  <p:defaultTextStyle>
+    <a:defPPr>
+      <a:defRPr lang="es-ES"/>
+    </a:defPPr>
+    <a:lvl1pPr marL="0" algn="l" defTabSz="914400" rtl="0" eaLnBrk="1" latinLnBrk="0" hangingPunct="1">
+      <a:defRPr sz="1800" kern="1200">
+        <a:solidFill>
+          <a:schemeClr val="tx1"/>
+        </a:solidFill>
+        <a:latin typeface="+mn-lt"/>
+        <a:ea typeface="+mn-ea"/>
+        <a:cs typeface="+mn-cs"/>
+      </a:defRPr>
+    </a:lvl1pPr>
+    <a:lvl2pPr marL="457200" algn="l" defTabSz="914400" rtl="0" eaLnBrk="1" latinLnBrk="0" hangingPunct="1">
+      <a:defRPr sz="1800" kern="1200">
+        <a:solidFill>
+          <a:schemeClr val="tx1"/>
+        </a:solidFill>
+        <a:latin typeface="+mn-lt"/>
+        <a:ea typeface="+mn-ea"/>
+        <a:cs typeface="+mn-cs"/>
+      </a:defRPr>
+    </a:lvl2pPr>
+    <a:lvl3pPr marL="914400" algn="l" defTabSz="914400" rtl="0" eaLnBrk="1" latinLnBrk="0" hangingPunct="1">
+      <a:defRPr sz="1800" kern="1200">
+        <a:solidFill>
+          <a:schemeClr val="tx1"/>
+        </a:solidFill>
+        <a:latin typeface="+mn-lt"/>
+        <a:ea typeface="+mn-ea"/>
+        <a:cs typeface="+mn-cs"/>
+      </a:defRPr>
+    </a:lvl3pPr>
+    <a:lvl4pPr marL="1371600" algn="l" defTabSz="914400" rtl="0" eaLnBrk="1" latinLnBrk="0" hangingPunct="1">
+      <a:defRPr sz="1800" kern="1200">
+        <a:solidFill>
+          <a:schemeClr val="tx1"/>
+        </a:solidFill>
+        <a:latin typeface="+mn-lt"/>
+        <a:ea typeface="+mn-ea"/>
+        <a:cs typeface="+mn-cs"/>
+      </a:defRPr>
+    </a:lvl4pPr>
+    <a:lvl5pPr marL="1828800" algn="l" defTabSz="914400" rtl="0" eaLnBrk="1" latinLnBrk="0" hangingPunct="1">
+      <a:defRPr sz="1800" kern="1200">
+        <a:solidFill>
+          <a:schemeClr val="tx1"/>
+        </a:solidFill>
+        <a:latin typeface="+mn-lt"/>
+        <a:ea typeface="+mn-ea"/>
+        <a:cs typeface="+mn-cs"/>
+      </a:defRPr>
+    </a:lvl5pPr>
+    <a:lvl6pPr marL="2286000" algn="l" defTabSz="914400" rtl="0" eaLnBrk="1" latinLnBrk="0" hangingPunct="1">
+      <a:defRPr sz="1800" kern="1200">
+        <a:solidFill>
+          <a:schemeClr val="tx1"/>
+        </a:solidFill>
+        <a:latin typeface="+mn-lt"/>
+        <a:ea typeface="+mn-ea"/>
+        <a:cs typeface="+mn-cs"/>
+      </a:defRPr>
+    </a:lvl6pPr>
+    <a:lvl7pPr marL="2743200" algn="l" defTabSz="914400" rtl="0" eaLnBrk="1" latinLnBrk="0" hangingPunct="1">
+      <a:defRPr sz="1800" kern="1200">
+        <a:solidFill>
+          <a:schemeClr val="tx1"/>
+        </a:solidFill>
+        <a:latin typeface="+mn-lt"/>
+        <a:ea typeface="+mn-ea"/>
+        <a:cs typeface="+mn-cs"/>
+      </a:defRPr>
+    </a:lvl7pPr>
+    <a:lvl8pPr marL="3200400" algn="l" defTabSz="914400" rtl="0" eaLnBrk="1" latinLnBrk="0" hangingPunct="1">
+      <a:defRPr sz="1800" kern="1200">
+        <a:solidFill>
+          <a:schemeClr val="tx1"/>
+        </a:solidFill>
+        <a:latin typeface="+mn-lt"/>
+        <a:ea typeface="+mn-ea"/>
+        <a:cs typeface="+mn-cs"/>
+      </a:defRPr>
+    </a:lvl8pPr>
+    <a:lvl9pPr marL="3657600" algn="l" defTabSz="914400" rtl="0" eaLnBrk="1" latinLnBrk="0" hangingPunct="1">
+      <a:defRPr sz="1800" kern="1200">
+        <a:solidFill>
+          <a:schemeClr val="tx1"/>
+        </a:solidFill>
+        <a:latin typeface="+mn-lt"/>
+        <a:ea typeface="+mn-ea"/>
+        <a:cs typeface="+mn-cs"/>
+      </a:defRPr>
+    </a:lvl9pPr>
+  </p:defaultTextStyle>
 </p:presentation>
 </file>
 
 <file path=ppt/slideLayouts/slideLayout1.xml><?xml version="1.0" encoding="utf-8"?>
-<p:sldLayout xmlns:a="http://schemas.openxmlformats.org/drawingml/2006/main" xmlns:p="http://schemas.openxmlformats.org/presentationml/2006/main" xmlns:r="http://schemas.openxmlformats.org/officeDocument/2006/relationships" type="blank" preserve="1">
+<p:sldLayout xmlns:a="http://schemas.openxmlformats.org/drawingml/2006/main" xmlns:r="http://schemas.openxmlformats.org/officeDocument/2006/relationships" xmlns:p="http://schemas.openxmlformats.org/presentationml/2006/main" type="blank" preserve="1">
   <p:cSld name="Blank Slide">
     <p:spTree>
       <p:nvGrpSpPr>
@@ -40,11 +135,14 @@
       </p:grpSpPr>
     </p:spTree>
   </p:cSld>
+  <p:clrMapOvr>
+    <a:masterClrMapping/>
+  </p:clrMapOvr>
 </p:sldLayout>
 </file>
 
 <file path=ppt/slideLayouts/slideLayout10.xml><?xml version="1.0" encoding="utf-8"?>
-<p:sldLayout xmlns:a="http://schemas.openxmlformats.org/drawingml/2006/main" xmlns:p="http://schemas.openxmlformats.org/presentationml/2006/main" xmlns:r="http://schemas.openxmlformats.org/officeDocument/2006/relationships" type="objOverTx" preserve="1">
+<p:sldLayout xmlns:a="http://schemas.openxmlformats.org/drawingml/2006/main" xmlns:r="http://schemas.openxmlformats.org/officeDocument/2006/relationships" xmlns:p="http://schemas.openxmlformats.org/presentationml/2006/main" type="objOverTx" preserve="1">
   <p:cSld name="Title, Content over Content">
     <p:spTree>
       <p:nvGrpSpPr>
@@ -80,7 +178,8 @@
           </a:prstGeom>
         </p:spPr>
         <p:txBody>
-          <a:bodyPr lIns="0" rIns="0" tIns="0" bIns="0" anchor="ctr"/>
+          <a:bodyPr lIns="0" tIns="0" rIns="0" bIns="0" anchor="ctr"/>
+          <a:lstStyle/>
           <a:p>
             <a:pPr algn="ctr"/>
             <a:endParaRPr/>
@@ -107,7 +206,8 @@
           </a:prstGeom>
         </p:spPr>
         <p:txBody>
-          <a:bodyPr lIns="0" rIns="0" tIns="0" bIns="0"/>
+          <a:bodyPr lIns="0" tIns="0" rIns="0" bIns="0"/>
+          <a:lstStyle/>
           <a:p>
             <a:endParaRPr/>
           </a:p>
@@ -133,7 +233,8 @@
           </a:prstGeom>
         </p:spPr>
         <p:txBody>
-          <a:bodyPr lIns="0" rIns="0" tIns="0" bIns="0"/>
+          <a:bodyPr lIns="0" tIns="0" rIns="0" bIns="0"/>
+          <a:lstStyle/>
           <a:p>
             <a:endParaRPr/>
           </a:p>
@@ -141,11 +242,14 @@
       </p:sp>
     </p:spTree>
   </p:cSld>
+  <p:clrMapOvr>
+    <a:masterClrMapping/>
+  </p:clrMapOvr>
 </p:sldLayout>
 </file>
 
 <file path=ppt/slideLayouts/slideLayout11.xml><?xml version="1.0" encoding="utf-8"?>
-<p:sldLayout xmlns:a="http://schemas.openxmlformats.org/drawingml/2006/main" xmlns:p="http://schemas.openxmlformats.org/presentationml/2006/main" xmlns:r="http://schemas.openxmlformats.org/officeDocument/2006/relationships" type="fourObj" preserve="1">
+<p:sldLayout xmlns:a="http://schemas.openxmlformats.org/drawingml/2006/main" xmlns:r="http://schemas.openxmlformats.org/officeDocument/2006/relationships" xmlns:p="http://schemas.openxmlformats.org/presentationml/2006/main" type="fourObj" preserve="1">
   <p:cSld name="Title, 4 Content">
     <p:spTree>
       <p:nvGrpSpPr>
@@ -181,7 +285,8 @@
           </a:prstGeom>
         </p:spPr>
         <p:txBody>
-          <a:bodyPr lIns="0" rIns="0" tIns="0" bIns="0" anchor="ctr"/>
+          <a:bodyPr lIns="0" tIns="0" rIns="0" bIns="0" anchor="ctr"/>
+          <a:lstStyle/>
           <a:p>
             <a:pPr algn="ctr"/>
             <a:endParaRPr/>
@@ -208,7 +313,8 @@
           </a:prstGeom>
         </p:spPr>
         <p:txBody>
-          <a:bodyPr lIns="0" rIns="0" tIns="0" bIns="0"/>
+          <a:bodyPr lIns="0" tIns="0" rIns="0" bIns="0"/>
+          <a:lstStyle/>
           <a:p>
             <a:endParaRPr/>
           </a:p>
@@ -234,7 +340,8 @@
           </a:prstGeom>
         </p:spPr>
         <p:txBody>
-          <a:bodyPr lIns="0" rIns="0" tIns="0" bIns="0"/>
+          <a:bodyPr lIns="0" tIns="0" rIns="0" bIns="0"/>
+          <a:lstStyle/>
           <a:p>
             <a:endParaRPr/>
           </a:p>
@@ -260,7 +367,8 @@
           </a:prstGeom>
         </p:spPr>
         <p:txBody>
-          <a:bodyPr lIns="0" rIns="0" tIns="0" bIns="0"/>
+          <a:bodyPr lIns="0" tIns="0" rIns="0" bIns="0"/>
+          <a:lstStyle/>
           <a:p>
             <a:endParaRPr/>
           </a:p>
@@ -286,7 +394,8 @@
           </a:prstGeom>
         </p:spPr>
         <p:txBody>
-          <a:bodyPr lIns="0" rIns="0" tIns="0" bIns="0"/>
+          <a:bodyPr lIns="0" tIns="0" rIns="0" bIns="0"/>
+          <a:lstStyle/>
           <a:p>
             <a:endParaRPr/>
           </a:p>
@@ -294,11 +403,14 @@
       </p:sp>
     </p:spTree>
   </p:cSld>
+  <p:clrMapOvr>
+    <a:masterClrMapping/>
+  </p:clrMapOvr>
 </p:sldLayout>
 </file>
 
 <file path=ppt/slideLayouts/slideLayout12.xml><?xml version="1.0" encoding="utf-8"?>
-<p:sldLayout xmlns:a="http://schemas.openxmlformats.org/drawingml/2006/main" xmlns:p="http://schemas.openxmlformats.org/presentationml/2006/main" xmlns:r="http://schemas.openxmlformats.org/officeDocument/2006/relationships" type="blank" preserve="1">
+<p:sldLayout xmlns:a="http://schemas.openxmlformats.org/drawingml/2006/main" xmlns:r="http://schemas.openxmlformats.org/officeDocument/2006/relationships" xmlns:p="http://schemas.openxmlformats.org/presentationml/2006/main" type="blank" preserve="1">
   <p:cSld name="Title, 6 Content">
     <p:spTree>
       <p:nvGrpSpPr>
@@ -334,7 +446,8 @@
           </a:prstGeom>
         </p:spPr>
         <p:txBody>
-          <a:bodyPr lIns="0" rIns="0" tIns="0" bIns="0" anchor="ctr"/>
+          <a:bodyPr lIns="0" tIns="0" rIns="0" bIns="0" anchor="ctr"/>
+          <a:lstStyle/>
           <a:p>
             <a:pPr algn="ctr"/>
             <a:endParaRPr/>
@@ -361,7 +474,8 @@
           </a:prstGeom>
         </p:spPr>
         <p:txBody>
-          <a:bodyPr lIns="0" rIns="0" tIns="0" bIns="0"/>
+          <a:bodyPr lIns="0" tIns="0" rIns="0" bIns="0"/>
+          <a:lstStyle/>
           <a:p>
             <a:endParaRPr/>
           </a:p>
@@ -387,7 +501,8 @@
           </a:prstGeom>
         </p:spPr>
         <p:txBody>
-          <a:bodyPr lIns="0" rIns="0" tIns="0" bIns="0"/>
+          <a:bodyPr lIns="0" tIns="0" rIns="0" bIns="0"/>
+          <a:lstStyle/>
           <a:p>
             <a:endParaRPr/>
           </a:p>
@@ -395,7 +510,7 @@
       </p:sp>
       <p:pic>
         <p:nvPicPr>
-          <p:cNvPr id="35" name="" descr=""/>
+          <p:cNvPr id="35" name="34 Imagen"/>
           <p:cNvPicPr/>
           <p:nvPr/>
         </p:nvPicPr>
@@ -420,12 +535,12 @@
       </p:pic>
       <p:pic>
         <p:nvPicPr>
-          <p:cNvPr id="36" name="" descr=""/>
+          <p:cNvPr id="36" name="35 Imagen"/>
           <p:cNvPicPr/>
           <p:nvPr/>
         </p:nvPicPr>
         <p:blipFill>
-          <a:blip r:embed="rId3"/>
+          <a:blip r:embed="rId2"/>
           <a:stretch>
             <a:fillRect/>
           </a:stretch>
@@ -445,11 +560,14 @@
       </p:pic>
     </p:spTree>
   </p:cSld>
+  <p:clrMapOvr>
+    <a:masterClrMapping/>
+  </p:clrMapOvr>
 </p:sldLayout>
 </file>
 
 <file path=ppt/slideLayouts/slideLayout13.xml><?xml version="1.0" encoding="utf-8"?>
-<p:sldLayout xmlns:a="http://schemas.openxmlformats.org/drawingml/2006/main" xmlns:p="http://schemas.openxmlformats.org/presentationml/2006/main" xmlns:r="http://schemas.openxmlformats.org/officeDocument/2006/relationships" type="blank" preserve="1">
+<p:sldLayout xmlns:a="http://schemas.openxmlformats.org/drawingml/2006/main" xmlns:r="http://schemas.openxmlformats.org/officeDocument/2006/relationships" xmlns:p="http://schemas.openxmlformats.org/presentationml/2006/main" type="blank" preserve="1">
   <p:cSld name="Blank Slide">
     <p:spTree>
       <p:nvGrpSpPr>
@@ -467,11 +585,14 @@
       </p:grpSpPr>
     </p:spTree>
   </p:cSld>
+  <p:clrMapOvr>
+    <a:masterClrMapping/>
+  </p:clrMapOvr>
 </p:sldLayout>
 </file>
 
 <file path=ppt/slideLayouts/slideLayout14.xml><?xml version="1.0" encoding="utf-8"?>
-<p:sldLayout xmlns:a="http://schemas.openxmlformats.org/drawingml/2006/main" xmlns:p="http://schemas.openxmlformats.org/presentationml/2006/main" xmlns:r="http://schemas.openxmlformats.org/officeDocument/2006/relationships" type="tx" preserve="1">
+<p:sldLayout xmlns:a="http://schemas.openxmlformats.org/drawingml/2006/main" xmlns:r="http://schemas.openxmlformats.org/officeDocument/2006/relationships" xmlns:p="http://schemas.openxmlformats.org/presentationml/2006/main" type="tx" preserve="1">
   <p:cSld name="Title Slide">
     <p:spTree>
       <p:nvGrpSpPr>
@@ -507,7 +628,8 @@
           </a:prstGeom>
         </p:spPr>
         <p:txBody>
-          <a:bodyPr lIns="0" rIns="0" tIns="0" bIns="0" anchor="ctr"/>
+          <a:bodyPr lIns="0" tIns="0" rIns="0" bIns="0" anchor="ctr"/>
+          <a:lstStyle/>
           <a:p>
             <a:pPr algn="ctr"/>
             <a:endParaRPr/>
@@ -534,7 +656,8 @@
           </a:prstGeom>
         </p:spPr>
         <p:txBody>
-          <a:bodyPr lIns="0" rIns="0" tIns="0" bIns="0" anchor="ctr"/>
+          <a:bodyPr lIns="0" tIns="0" rIns="0" bIns="0" anchor="ctr"/>
+          <a:lstStyle/>
           <a:p>
             <a:pPr algn="ctr"/>
             <a:endParaRPr/>
@@ -543,11 +666,14 @@
       </p:sp>
     </p:spTree>
   </p:cSld>
+  <p:clrMapOvr>
+    <a:masterClrMapping/>
+  </p:clrMapOvr>
 </p:sldLayout>
 </file>
 
 <file path=ppt/slideLayouts/slideLayout15.xml><?xml version="1.0" encoding="utf-8"?>
-<p:sldLayout xmlns:a="http://schemas.openxmlformats.org/drawingml/2006/main" xmlns:p="http://schemas.openxmlformats.org/presentationml/2006/main" xmlns:r="http://schemas.openxmlformats.org/officeDocument/2006/relationships" type="obj" preserve="1">
+<p:sldLayout xmlns:a="http://schemas.openxmlformats.org/drawingml/2006/main" xmlns:r="http://schemas.openxmlformats.org/officeDocument/2006/relationships" xmlns:p="http://schemas.openxmlformats.org/presentationml/2006/main" type="obj" preserve="1">
   <p:cSld name="Title, Content">
     <p:spTree>
       <p:nvGrpSpPr>
@@ -583,7 +709,8 @@
           </a:prstGeom>
         </p:spPr>
         <p:txBody>
-          <a:bodyPr lIns="0" rIns="0" tIns="0" bIns="0" anchor="ctr"/>
+          <a:bodyPr lIns="0" tIns="0" rIns="0" bIns="0" anchor="ctr"/>
+          <a:lstStyle/>
           <a:p>
             <a:pPr algn="ctr"/>
             <a:endParaRPr/>
@@ -610,7 +737,8 @@
           </a:prstGeom>
         </p:spPr>
         <p:txBody>
-          <a:bodyPr lIns="0" rIns="0" tIns="0" bIns="0"/>
+          <a:bodyPr lIns="0" tIns="0" rIns="0" bIns="0"/>
+          <a:lstStyle/>
           <a:p>
             <a:endParaRPr/>
           </a:p>
@@ -618,11 +746,14 @@
       </p:sp>
     </p:spTree>
   </p:cSld>
+  <p:clrMapOvr>
+    <a:masterClrMapping/>
+  </p:clrMapOvr>
 </p:sldLayout>
 </file>
 
 <file path=ppt/slideLayouts/slideLayout16.xml><?xml version="1.0" encoding="utf-8"?>
-<p:sldLayout xmlns:a="http://schemas.openxmlformats.org/drawingml/2006/main" xmlns:p="http://schemas.openxmlformats.org/presentationml/2006/main" xmlns:r="http://schemas.openxmlformats.org/officeDocument/2006/relationships" type="twoObj" preserve="1">
+<p:sldLayout xmlns:a="http://schemas.openxmlformats.org/drawingml/2006/main" xmlns:r="http://schemas.openxmlformats.org/officeDocument/2006/relationships" xmlns:p="http://schemas.openxmlformats.org/presentationml/2006/main" type="twoObj" preserve="1">
   <p:cSld name="Title, 2 Content">
     <p:spTree>
       <p:nvGrpSpPr>
@@ -658,7 +789,8 @@
           </a:prstGeom>
         </p:spPr>
         <p:txBody>
-          <a:bodyPr lIns="0" rIns="0" tIns="0" bIns="0" anchor="ctr"/>
+          <a:bodyPr lIns="0" tIns="0" rIns="0" bIns="0" anchor="ctr"/>
+          <a:lstStyle/>
           <a:p>
             <a:pPr algn="ctr"/>
             <a:endParaRPr/>
@@ -685,7 +817,8 @@
           </a:prstGeom>
         </p:spPr>
         <p:txBody>
-          <a:bodyPr lIns="0" rIns="0" tIns="0" bIns="0"/>
+          <a:bodyPr lIns="0" tIns="0" rIns="0" bIns="0"/>
+          <a:lstStyle/>
           <a:p>
             <a:endParaRPr/>
           </a:p>
@@ -711,7 +844,8 @@
           </a:prstGeom>
         </p:spPr>
         <p:txBody>
-          <a:bodyPr lIns="0" rIns="0" tIns="0" bIns="0"/>
+          <a:bodyPr lIns="0" tIns="0" rIns="0" bIns="0"/>
+          <a:lstStyle/>
           <a:p>
             <a:endParaRPr/>
           </a:p>
@@ -719,11 +853,14 @@
       </p:sp>
     </p:spTree>
   </p:cSld>
+  <p:clrMapOvr>
+    <a:masterClrMapping/>
+  </p:clrMapOvr>
 </p:sldLayout>
 </file>
 
 <file path=ppt/slideLayouts/slideLayout17.xml><?xml version="1.0" encoding="utf-8"?>
-<p:sldLayout xmlns:a="http://schemas.openxmlformats.org/drawingml/2006/main" xmlns:p="http://schemas.openxmlformats.org/presentationml/2006/main" xmlns:r="http://schemas.openxmlformats.org/officeDocument/2006/relationships" type="titleOnly" preserve="1">
+<p:sldLayout xmlns:a="http://schemas.openxmlformats.org/drawingml/2006/main" xmlns:r="http://schemas.openxmlformats.org/officeDocument/2006/relationships" xmlns:p="http://schemas.openxmlformats.org/presentationml/2006/main" type="titleOnly" preserve="1">
   <p:cSld name="Title Only">
     <p:spTree>
       <p:nvGrpSpPr>
@@ -759,7 +896,8 @@
           </a:prstGeom>
         </p:spPr>
         <p:txBody>
-          <a:bodyPr lIns="0" rIns="0" tIns="0" bIns="0" anchor="ctr"/>
+          <a:bodyPr lIns="0" tIns="0" rIns="0" bIns="0" anchor="ctr"/>
+          <a:lstStyle/>
           <a:p>
             <a:pPr algn="ctr"/>
             <a:endParaRPr/>
@@ -768,11 +906,14 @@
       </p:sp>
     </p:spTree>
   </p:cSld>
+  <p:clrMapOvr>
+    <a:masterClrMapping/>
+  </p:clrMapOvr>
 </p:sldLayout>
 </file>
 
 <file path=ppt/slideLayouts/slideLayout18.xml><?xml version="1.0" encoding="utf-8"?>
-<p:sldLayout xmlns:a="http://schemas.openxmlformats.org/drawingml/2006/main" xmlns:p="http://schemas.openxmlformats.org/presentationml/2006/main" xmlns:r="http://schemas.openxmlformats.org/officeDocument/2006/relationships" type="objOnly" preserve="1">
+<p:sldLayout xmlns:a="http://schemas.openxmlformats.org/drawingml/2006/main" xmlns:r="http://schemas.openxmlformats.org/officeDocument/2006/relationships" xmlns:p="http://schemas.openxmlformats.org/presentationml/2006/main" type="objOnly" preserve="1">
   <p:cSld name="Centered Text">
     <p:spTree>
       <p:nvGrpSpPr>
@@ -808,7 +949,8 @@
           </a:prstGeom>
         </p:spPr>
         <p:txBody>
-          <a:bodyPr lIns="0" rIns="0" tIns="0" bIns="0" anchor="ctr"/>
+          <a:bodyPr lIns="0" tIns="0" rIns="0" bIns="0" anchor="ctr"/>
+          <a:lstStyle/>
           <a:p>
             <a:pPr algn="ctr"/>
             <a:endParaRPr/>
@@ -817,11 +959,14 @@
       </p:sp>
     </p:spTree>
   </p:cSld>
+  <p:clrMapOvr>
+    <a:masterClrMapping/>
+  </p:clrMapOvr>
 </p:sldLayout>
 </file>
 
 <file path=ppt/slideLayouts/slideLayout19.xml><?xml version="1.0" encoding="utf-8"?>
-<p:sldLayout xmlns:a="http://schemas.openxmlformats.org/drawingml/2006/main" xmlns:p="http://schemas.openxmlformats.org/presentationml/2006/main" xmlns:r="http://schemas.openxmlformats.org/officeDocument/2006/relationships" type="twoObjAndObj" preserve="1">
+<p:sldLayout xmlns:a="http://schemas.openxmlformats.org/drawingml/2006/main" xmlns:r="http://schemas.openxmlformats.org/officeDocument/2006/relationships" xmlns:p="http://schemas.openxmlformats.org/presentationml/2006/main" type="twoObjAndObj" preserve="1">
   <p:cSld name="Title, 2 Content and Content">
     <p:spTree>
       <p:nvGrpSpPr>
@@ -857,7 +1002,8 @@
           </a:prstGeom>
         </p:spPr>
         <p:txBody>
-          <a:bodyPr lIns="0" rIns="0" tIns="0" bIns="0" anchor="ctr"/>
+          <a:bodyPr lIns="0" tIns="0" rIns="0" bIns="0" anchor="ctr"/>
+          <a:lstStyle/>
           <a:p>
             <a:pPr algn="ctr"/>
             <a:endParaRPr/>
@@ -884,7 +1030,8 @@
           </a:prstGeom>
         </p:spPr>
         <p:txBody>
-          <a:bodyPr lIns="0" rIns="0" tIns="0" bIns="0"/>
+          <a:bodyPr lIns="0" tIns="0" rIns="0" bIns="0"/>
+          <a:lstStyle/>
           <a:p>
             <a:endParaRPr/>
           </a:p>
@@ -910,7 +1057,8 @@
           </a:prstGeom>
         </p:spPr>
         <p:txBody>
-          <a:bodyPr lIns="0" rIns="0" tIns="0" bIns="0"/>
+          <a:bodyPr lIns="0" tIns="0" rIns="0" bIns="0"/>
+          <a:lstStyle/>
           <a:p>
             <a:endParaRPr/>
           </a:p>
@@ -936,7 +1084,8 @@
           </a:prstGeom>
         </p:spPr>
         <p:txBody>
-          <a:bodyPr lIns="0" rIns="0" tIns="0" bIns="0"/>
+          <a:bodyPr lIns="0" tIns="0" rIns="0" bIns="0"/>
+          <a:lstStyle/>
           <a:p>
             <a:endParaRPr/>
           </a:p>
@@ -944,11 +1093,14 @@
       </p:sp>
     </p:spTree>
   </p:cSld>
+  <p:clrMapOvr>
+    <a:masterClrMapping/>
+  </p:clrMapOvr>
 </p:sldLayout>
 </file>
 
 <file path=ppt/slideLayouts/slideLayout2.xml><?xml version="1.0" encoding="utf-8"?>
-<p:sldLayout xmlns:a="http://schemas.openxmlformats.org/drawingml/2006/main" xmlns:p="http://schemas.openxmlformats.org/presentationml/2006/main" xmlns:r="http://schemas.openxmlformats.org/officeDocument/2006/relationships" type="tx" preserve="1">
+<p:sldLayout xmlns:a="http://schemas.openxmlformats.org/drawingml/2006/main" xmlns:r="http://schemas.openxmlformats.org/officeDocument/2006/relationships" xmlns:p="http://schemas.openxmlformats.org/presentationml/2006/main" type="tx" preserve="1">
   <p:cSld name="Title Slide">
     <p:spTree>
       <p:nvGrpSpPr>
@@ -984,7 +1136,8 @@
           </a:prstGeom>
         </p:spPr>
         <p:txBody>
-          <a:bodyPr lIns="0" rIns="0" tIns="0" bIns="0" anchor="ctr"/>
+          <a:bodyPr lIns="0" tIns="0" rIns="0" bIns="0" anchor="ctr"/>
+          <a:lstStyle/>
           <a:p>
             <a:pPr algn="ctr"/>
             <a:endParaRPr/>
@@ -1011,7 +1164,8 @@
           </a:prstGeom>
         </p:spPr>
         <p:txBody>
-          <a:bodyPr lIns="0" rIns="0" tIns="0" bIns="0" anchor="ctr"/>
+          <a:bodyPr lIns="0" tIns="0" rIns="0" bIns="0" anchor="ctr"/>
+          <a:lstStyle/>
           <a:p>
             <a:pPr algn="ctr"/>
             <a:endParaRPr/>
@@ -1020,11 +1174,14 @@
       </p:sp>
     </p:spTree>
   </p:cSld>
+  <p:clrMapOvr>
+    <a:masterClrMapping/>
+  </p:clrMapOvr>
 </p:sldLayout>
 </file>
 
 <file path=ppt/slideLayouts/slideLayout20.xml><?xml version="1.0" encoding="utf-8"?>
-<p:sldLayout xmlns:a="http://schemas.openxmlformats.org/drawingml/2006/main" xmlns:p="http://schemas.openxmlformats.org/presentationml/2006/main" xmlns:r="http://schemas.openxmlformats.org/officeDocument/2006/relationships" type="objAndTwoObj" preserve="1">
+<p:sldLayout xmlns:a="http://schemas.openxmlformats.org/drawingml/2006/main" xmlns:r="http://schemas.openxmlformats.org/officeDocument/2006/relationships" xmlns:p="http://schemas.openxmlformats.org/presentationml/2006/main" type="objAndTwoObj" preserve="1">
   <p:cSld name="Title Content and 2 Content">
     <p:spTree>
       <p:nvGrpSpPr>
@@ -1060,7 +1217,8 @@
           </a:prstGeom>
         </p:spPr>
         <p:txBody>
-          <a:bodyPr lIns="0" rIns="0" tIns="0" bIns="0" anchor="ctr"/>
+          <a:bodyPr lIns="0" tIns="0" rIns="0" bIns="0" anchor="ctr"/>
+          <a:lstStyle/>
           <a:p>
             <a:pPr algn="ctr"/>
             <a:endParaRPr/>
@@ -1087,7 +1245,8 @@
           </a:prstGeom>
         </p:spPr>
         <p:txBody>
-          <a:bodyPr lIns="0" rIns="0" tIns="0" bIns="0"/>
+          <a:bodyPr lIns="0" tIns="0" rIns="0" bIns="0"/>
+          <a:lstStyle/>
           <a:p>
             <a:endParaRPr/>
           </a:p>
@@ -1113,7 +1272,8 @@
           </a:prstGeom>
         </p:spPr>
         <p:txBody>
-          <a:bodyPr lIns="0" rIns="0" tIns="0" bIns="0"/>
+          <a:bodyPr lIns="0" tIns="0" rIns="0" bIns="0"/>
+          <a:lstStyle/>
           <a:p>
             <a:endParaRPr/>
           </a:p>
@@ -1139,7 +1299,8 @@
           </a:prstGeom>
         </p:spPr>
         <p:txBody>
-          <a:bodyPr lIns="0" rIns="0" tIns="0" bIns="0"/>
+          <a:bodyPr lIns="0" tIns="0" rIns="0" bIns="0"/>
+          <a:lstStyle/>
           <a:p>
             <a:endParaRPr/>
           </a:p>
@@ -1147,11 +1308,14 @@
       </p:sp>
     </p:spTree>
   </p:cSld>
+  <p:clrMapOvr>
+    <a:masterClrMapping/>
+  </p:clrMapOvr>
 </p:sldLayout>
 </file>
 
 <file path=ppt/slideLayouts/slideLayout21.xml><?xml version="1.0" encoding="utf-8"?>
-<p:sldLayout xmlns:a="http://schemas.openxmlformats.org/drawingml/2006/main" xmlns:p="http://schemas.openxmlformats.org/presentationml/2006/main" xmlns:r="http://schemas.openxmlformats.org/officeDocument/2006/relationships" type="twoObjOverTx" preserve="1">
+<p:sldLayout xmlns:a="http://schemas.openxmlformats.org/drawingml/2006/main" xmlns:r="http://schemas.openxmlformats.org/officeDocument/2006/relationships" xmlns:p="http://schemas.openxmlformats.org/presentationml/2006/main" type="twoObjOverTx" preserve="1">
   <p:cSld name="Title, 2 Content over Content">
     <p:spTree>
       <p:nvGrpSpPr>
@@ -1187,7 +1351,8 @@
           </a:prstGeom>
         </p:spPr>
         <p:txBody>
-          <a:bodyPr lIns="0" rIns="0" tIns="0" bIns="0" anchor="ctr"/>
+          <a:bodyPr lIns="0" tIns="0" rIns="0" bIns="0" anchor="ctr"/>
+          <a:lstStyle/>
           <a:p>
             <a:pPr algn="ctr"/>
             <a:endParaRPr/>
@@ -1214,7 +1379,8 @@
           </a:prstGeom>
         </p:spPr>
         <p:txBody>
-          <a:bodyPr lIns="0" rIns="0" tIns="0" bIns="0"/>
+          <a:bodyPr lIns="0" tIns="0" rIns="0" bIns="0"/>
+          <a:lstStyle/>
           <a:p>
             <a:endParaRPr/>
           </a:p>
@@ -1240,7 +1406,8 @@
           </a:prstGeom>
         </p:spPr>
         <p:txBody>
-          <a:bodyPr lIns="0" rIns="0" tIns="0" bIns="0"/>
+          <a:bodyPr lIns="0" tIns="0" rIns="0" bIns="0"/>
+          <a:lstStyle/>
           <a:p>
             <a:endParaRPr/>
           </a:p>
@@ -1266,7 +1433,8 @@
           </a:prstGeom>
         </p:spPr>
         <p:txBody>
-          <a:bodyPr lIns="0" rIns="0" tIns="0" bIns="0"/>
+          <a:bodyPr lIns="0" tIns="0" rIns="0" bIns="0"/>
+          <a:lstStyle/>
           <a:p>
             <a:endParaRPr/>
           </a:p>
@@ -1274,11 +1442,14 @@
       </p:sp>
     </p:spTree>
   </p:cSld>
+  <p:clrMapOvr>
+    <a:masterClrMapping/>
+  </p:clrMapOvr>
 </p:sldLayout>
 </file>
 
 <file path=ppt/slideLayouts/slideLayout22.xml><?xml version="1.0" encoding="utf-8"?>
-<p:sldLayout xmlns:a="http://schemas.openxmlformats.org/drawingml/2006/main" xmlns:p="http://schemas.openxmlformats.org/presentationml/2006/main" xmlns:r="http://schemas.openxmlformats.org/officeDocument/2006/relationships" type="objOverTx" preserve="1">
+<p:sldLayout xmlns:a="http://schemas.openxmlformats.org/drawingml/2006/main" xmlns:r="http://schemas.openxmlformats.org/officeDocument/2006/relationships" xmlns:p="http://schemas.openxmlformats.org/presentationml/2006/main" type="objOverTx" preserve="1">
   <p:cSld name="Title, Content over Content">
     <p:spTree>
       <p:nvGrpSpPr>
@@ -1314,7 +1485,8 @@
           </a:prstGeom>
         </p:spPr>
         <p:txBody>
-          <a:bodyPr lIns="0" rIns="0" tIns="0" bIns="0" anchor="ctr"/>
+          <a:bodyPr lIns="0" tIns="0" rIns="0" bIns="0" anchor="ctr"/>
+          <a:lstStyle/>
           <a:p>
             <a:pPr algn="ctr"/>
             <a:endParaRPr/>
@@ -1341,7 +1513,8 @@
           </a:prstGeom>
         </p:spPr>
         <p:txBody>
-          <a:bodyPr lIns="0" rIns="0" tIns="0" bIns="0"/>
+          <a:bodyPr lIns="0" tIns="0" rIns="0" bIns="0"/>
+          <a:lstStyle/>
           <a:p>
             <a:endParaRPr/>
           </a:p>
@@ -1367,7 +1540,8 @@
           </a:prstGeom>
         </p:spPr>
         <p:txBody>
-          <a:bodyPr lIns="0" rIns="0" tIns="0" bIns="0"/>
+          <a:bodyPr lIns="0" tIns="0" rIns="0" bIns="0"/>
+          <a:lstStyle/>
           <a:p>
             <a:endParaRPr/>
           </a:p>
@@ -1375,11 +1549,14 @@
       </p:sp>
     </p:spTree>
   </p:cSld>
+  <p:clrMapOvr>
+    <a:masterClrMapping/>
+  </p:clrMapOvr>
 </p:sldLayout>
 </file>
 
 <file path=ppt/slideLayouts/slideLayout23.xml><?xml version="1.0" encoding="utf-8"?>
-<p:sldLayout xmlns:a="http://schemas.openxmlformats.org/drawingml/2006/main" xmlns:p="http://schemas.openxmlformats.org/presentationml/2006/main" xmlns:r="http://schemas.openxmlformats.org/officeDocument/2006/relationships" type="fourObj" preserve="1">
+<p:sldLayout xmlns:a="http://schemas.openxmlformats.org/drawingml/2006/main" xmlns:r="http://schemas.openxmlformats.org/officeDocument/2006/relationships" xmlns:p="http://schemas.openxmlformats.org/presentationml/2006/main" type="fourObj" preserve="1">
   <p:cSld name="Title, 4 Content">
     <p:spTree>
       <p:nvGrpSpPr>
@@ -1415,7 +1592,8 @@
           </a:prstGeom>
         </p:spPr>
         <p:txBody>
-          <a:bodyPr lIns="0" rIns="0" tIns="0" bIns="0" anchor="ctr"/>
+          <a:bodyPr lIns="0" tIns="0" rIns="0" bIns="0" anchor="ctr"/>
+          <a:lstStyle/>
           <a:p>
             <a:pPr algn="ctr"/>
             <a:endParaRPr/>
@@ -1442,7 +1620,8 @@
           </a:prstGeom>
         </p:spPr>
         <p:txBody>
-          <a:bodyPr lIns="0" rIns="0" tIns="0" bIns="0"/>
+          <a:bodyPr lIns="0" tIns="0" rIns="0" bIns="0"/>
+          <a:lstStyle/>
           <a:p>
             <a:endParaRPr/>
           </a:p>
@@ -1468,7 +1647,8 @@
           </a:prstGeom>
         </p:spPr>
         <p:txBody>
-          <a:bodyPr lIns="0" rIns="0" tIns="0" bIns="0"/>
+          <a:bodyPr lIns="0" tIns="0" rIns="0" bIns="0"/>
+          <a:lstStyle/>
           <a:p>
             <a:endParaRPr/>
           </a:p>
@@ -1494,7 +1674,8 @@
           </a:prstGeom>
         </p:spPr>
         <p:txBody>
-          <a:bodyPr lIns="0" rIns="0" tIns="0" bIns="0"/>
+          <a:bodyPr lIns="0" tIns="0" rIns="0" bIns="0"/>
+          <a:lstStyle/>
           <a:p>
             <a:endParaRPr/>
           </a:p>
@@ -1520,7 +1701,8 @@
           </a:prstGeom>
         </p:spPr>
         <p:txBody>
-          <a:bodyPr lIns="0" rIns="0" tIns="0" bIns="0"/>
+          <a:bodyPr lIns="0" tIns="0" rIns="0" bIns="0"/>
+          <a:lstStyle/>
           <a:p>
             <a:endParaRPr/>
           </a:p>
@@ -1528,11 +1710,14 @@
       </p:sp>
     </p:spTree>
   </p:cSld>
+  <p:clrMapOvr>
+    <a:masterClrMapping/>
+  </p:clrMapOvr>
 </p:sldLayout>
 </file>
 
 <file path=ppt/slideLayouts/slideLayout24.xml><?xml version="1.0" encoding="utf-8"?>
-<p:sldLayout xmlns:a="http://schemas.openxmlformats.org/drawingml/2006/main" xmlns:p="http://schemas.openxmlformats.org/presentationml/2006/main" xmlns:r="http://schemas.openxmlformats.org/officeDocument/2006/relationships" type="blank" preserve="1">
+<p:sldLayout xmlns:a="http://schemas.openxmlformats.org/drawingml/2006/main" xmlns:r="http://schemas.openxmlformats.org/officeDocument/2006/relationships" xmlns:p="http://schemas.openxmlformats.org/presentationml/2006/main" type="blank" preserve="1">
   <p:cSld name="Title, 6 Content">
     <p:spTree>
       <p:nvGrpSpPr>
@@ -1568,7 +1753,8 @@
           </a:prstGeom>
         </p:spPr>
         <p:txBody>
-          <a:bodyPr lIns="0" rIns="0" tIns="0" bIns="0" anchor="ctr"/>
+          <a:bodyPr lIns="0" tIns="0" rIns="0" bIns="0" anchor="ctr"/>
+          <a:lstStyle/>
           <a:p>
             <a:pPr algn="ctr"/>
             <a:endParaRPr/>
@@ -1595,7 +1781,8 @@
           </a:prstGeom>
         </p:spPr>
         <p:txBody>
-          <a:bodyPr lIns="0" rIns="0" tIns="0" bIns="0"/>
+          <a:bodyPr lIns="0" tIns="0" rIns="0" bIns="0"/>
+          <a:lstStyle/>
           <a:p>
             <a:endParaRPr/>
           </a:p>
@@ -1621,7 +1808,8 @@
           </a:prstGeom>
         </p:spPr>
         <p:txBody>
-          <a:bodyPr lIns="0" rIns="0" tIns="0" bIns="0"/>
+          <a:bodyPr lIns="0" tIns="0" rIns="0" bIns="0"/>
+          <a:lstStyle/>
           <a:p>
             <a:endParaRPr/>
           </a:p>
@@ -1629,7 +1817,7 @@
       </p:sp>
       <p:pic>
         <p:nvPicPr>
-          <p:cNvPr id="72" name="" descr=""/>
+          <p:cNvPr id="72" name="71 Imagen"/>
           <p:cNvPicPr/>
           <p:nvPr/>
         </p:nvPicPr>
@@ -1654,12 +1842,12 @@
       </p:pic>
       <p:pic>
         <p:nvPicPr>
-          <p:cNvPr id="73" name="" descr=""/>
+          <p:cNvPr id="73" name="72 Imagen"/>
           <p:cNvPicPr/>
           <p:nvPr/>
         </p:nvPicPr>
         <p:blipFill>
-          <a:blip r:embed="rId3"/>
+          <a:blip r:embed="rId2"/>
           <a:stretch>
             <a:fillRect/>
           </a:stretch>
@@ -1679,11 +1867,14 @@
       </p:pic>
     </p:spTree>
   </p:cSld>
+  <p:clrMapOvr>
+    <a:masterClrMapping/>
+  </p:clrMapOvr>
 </p:sldLayout>
 </file>
 
 <file path=ppt/slideLayouts/slideLayout25.xml><?xml version="1.0" encoding="utf-8"?>
-<p:sldLayout xmlns:a="http://schemas.openxmlformats.org/drawingml/2006/main" xmlns:p="http://schemas.openxmlformats.org/presentationml/2006/main" xmlns:r="http://schemas.openxmlformats.org/officeDocument/2006/relationships" type="blank" preserve="1">
+<p:sldLayout xmlns:a="http://schemas.openxmlformats.org/drawingml/2006/main" xmlns:r="http://schemas.openxmlformats.org/officeDocument/2006/relationships" xmlns:p="http://schemas.openxmlformats.org/presentationml/2006/main" type="blank" preserve="1">
   <p:cSld name="Blank Slide">
     <p:spTree>
       <p:nvGrpSpPr>
@@ -1701,11 +1892,14 @@
       </p:grpSpPr>
     </p:spTree>
   </p:cSld>
+  <p:clrMapOvr>
+    <a:masterClrMapping/>
+  </p:clrMapOvr>
 </p:sldLayout>
 </file>
 
 <file path=ppt/slideLayouts/slideLayout26.xml><?xml version="1.0" encoding="utf-8"?>
-<p:sldLayout xmlns:a="http://schemas.openxmlformats.org/drawingml/2006/main" xmlns:p="http://schemas.openxmlformats.org/presentationml/2006/main" xmlns:r="http://schemas.openxmlformats.org/officeDocument/2006/relationships" type="tx" preserve="1">
+<p:sldLayout xmlns:a="http://schemas.openxmlformats.org/drawingml/2006/main" xmlns:r="http://schemas.openxmlformats.org/officeDocument/2006/relationships" xmlns:p="http://schemas.openxmlformats.org/presentationml/2006/main" type="tx" preserve="1">
   <p:cSld name="Title Slide">
     <p:spTree>
       <p:nvGrpSpPr>
@@ -1741,7 +1935,8 @@
           </a:prstGeom>
         </p:spPr>
         <p:txBody>
-          <a:bodyPr lIns="0" rIns="0" tIns="0" bIns="0" anchor="ctr"/>
+          <a:bodyPr lIns="0" tIns="0" rIns="0" bIns="0" anchor="ctr"/>
+          <a:lstStyle/>
           <a:p>
             <a:pPr algn="ctr"/>
             <a:endParaRPr/>
@@ -1768,7 +1963,8 @@
           </a:prstGeom>
         </p:spPr>
         <p:txBody>
-          <a:bodyPr lIns="0" rIns="0" tIns="0" bIns="0" anchor="ctr"/>
+          <a:bodyPr lIns="0" tIns="0" rIns="0" bIns="0" anchor="ctr"/>
+          <a:lstStyle/>
           <a:p>
             <a:pPr algn="ctr"/>
             <a:endParaRPr/>
@@ -1777,11 +1973,14 @@
       </p:sp>
     </p:spTree>
   </p:cSld>
+  <p:clrMapOvr>
+    <a:masterClrMapping/>
+  </p:clrMapOvr>
 </p:sldLayout>
 </file>
 
 <file path=ppt/slideLayouts/slideLayout27.xml><?xml version="1.0" encoding="utf-8"?>
-<p:sldLayout xmlns:a="http://schemas.openxmlformats.org/drawingml/2006/main" xmlns:p="http://schemas.openxmlformats.org/presentationml/2006/main" xmlns:r="http://schemas.openxmlformats.org/officeDocument/2006/relationships" type="obj" preserve="1">
+<p:sldLayout xmlns:a="http://schemas.openxmlformats.org/drawingml/2006/main" xmlns:r="http://schemas.openxmlformats.org/officeDocument/2006/relationships" xmlns:p="http://schemas.openxmlformats.org/presentationml/2006/main" type="obj" preserve="1">
   <p:cSld name="Title, Content">
     <p:spTree>
       <p:nvGrpSpPr>
@@ -1817,7 +2016,8 @@
           </a:prstGeom>
         </p:spPr>
         <p:txBody>
-          <a:bodyPr lIns="0" rIns="0" tIns="0" bIns="0" anchor="ctr"/>
+          <a:bodyPr lIns="0" tIns="0" rIns="0" bIns="0" anchor="ctr"/>
+          <a:lstStyle/>
           <a:p>
             <a:pPr algn="ctr"/>
             <a:endParaRPr/>
@@ -1844,7 +2044,8 @@
           </a:prstGeom>
         </p:spPr>
         <p:txBody>
-          <a:bodyPr lIns="0" rIns="0" tIns="0" bIns="0"/>
+          <a:bodyPr lIns="0" tIns="0" rIns="0" bIns="0"/>
+          <a:lstStyle/>
           <a:p>
             <a:endParaRPr/>
           </a:p>
@@ -1852,11 +2053,14 @@
       </p:sp>
     </p:spTree>
   </p:cSld>
+  <p:clrMapOvr>
+    <a:masterClrMapping/>
+  </p:clrMapOvr>
 </p:sldLayout>
 </file>
 
 <file path=ppt/slideLayouts/slideLayout28.xml><?xml version="1.0" encoding="utf-8"?>
-<p:sldLayout xmlns:a="http://schemas.openxmlformats.org/drawingml/2006/main" xmlns:p="http://schemas.openxmlformats.org/presentationml/2006/main" xmlns:r="http://schemas.openxmlformats.org/officeDocument/2006/relationships" type="twoObj" preserve="1">
+<p:sldLayout xmlns:a="http://schemas.openxmlformats.org/drawingml/2006/main" xmlns:r="http://schemas.openxmlformats.org/officeDocument/2006/relationships" xmlns:p="http://schemas.openxmlformats.org/presentationml/2006/main" type="twoObj" preserve="1">
   <p:cSld name="Title, 2 Content">
     <p:spTree>
       <p:nvGrpSpPr>
@@ -1892,7 +2096,8 @@
           </a:prstGeom>
         </p:spPr>
         <p:txBody>
-          <a:bodyPr lIns="0" rIns="0" tIns="0" bIns="0" anchor="ctr"/>
+          <a:bodyPr lIns="0" tIns="0" rIns="0" bIns="0" anchor="ctr"/>
+          <a:lstStyle/>
           <a:p>
             <a:pPr algn="ctr"/>
             <a:endParaRPr/>
@@ -1919,7 +2124,8 @@
           </a:prstGeom>
         </p:spPr>
         <p:txBody>
-          <a:bodyPr lIns="0" rIns="0" tIns="0" bIns="0"/>
+          <a:bodyPr lIns="0" tIns="0" rIns="0" bIns="0"/>
+          <a:lstStyle/>
           <a:p>
             <a:endParaRPr/>
           </a:p>
@@ -1945,7 +2151,8 @@
           </a:prstGeom>
         </p:spPr>
         <p:txBody>
-          <a:bodyPr lIns="0" rIns="0" tIns="0" bIns="0"/>
+          <a:bodyPr lIns="0" tIns="0" rIns="0" bIns="0"/>
+          <a:lstStyle/>
           <a:p>
             <a:endParaRPr/>
           </a:p>
@@ -1953,11 +2160,14 @@
       </p:sp>
     </p:spTree>
   </p:cSld>
+  <p:clrMapOvr>
+    <a:masterClrMapping/>
+  </p:clrMapOvr>
 </p:sldLayout>
 </file>
 
 <file path=ppt/slideLayouts/slideLayout29.xml><?xml version="1.0" encoding="utf-8"?>
-<p:sldLayout xmlns:a="http://schemas.openxmlformats.org/drawingml/2006/main" xmlns:p="http://schemas.openxmlformats.org/presentationml/2006/main" xmlns:r="http://schemas.openxmlformats.org/officeDocument/2006/relationships" type="titleOnly" preserve="1">
+<p:sldLayout xmlns:a="http://schemas.openxmlformats.org/drawingml/2006/main" xmlns:r="http://schemas.openxmlformats.org/officeDocument/2006/relationships" xmlns:p="http://schemas.openxmlformats.org/presentationml/2006/main" type="titleOnly" preserve="1">
   <p:cSld name="Title Only">
     <p:spTree>
       <p:nvGrpSpPr>
@@ -1993,7 +2203,8 @@
           </a:prstGeom>
         </p:spPr>
         <p:txBody>
-          <a:bodyPr lIns="0" rIns="0" tIns="0" bIns="0" anchor="ctr"/>
+          <a:bodyPr lIns="0" tIns="0" rIns="0" bIns="0" anchor="ctr"/>
+          <a:lstStyle/>
           <a:p>
             <a:pPr algn="ctr"/>
             <a:endParaRPr/>
@@ -2002,11 +2213,14 @@
       </p:sp>
     </p:spTree>
   </p:cSld>
+  <p:clrMapOvr>
+    <a:masterClrMapping/>
+  </p:clrMapOvr>
 </p:sldLayout>
 </file>
 
 <file path=ppt/slideLayouts/slideLayout3.xml><?xml version="1.0" encoding="utf-8"?>
-<p:sldLayout xmlns:a="http://schemas.openxmlformats.org/drawingml/2006/main" xmlns:p="http://schemas.openxmlformats.org/presentationml/2006/main" xmlns:r="http://schemas.openxmlformats.org/officeDocument/2006/relationships" type="obj" preserve="1">
+<p:sldLayout xmlns:a="http://schemas.openxmlformats.org/drawingml/2006/main" xmlns:r="http://schemas.openxmlformats.org/officeDocument/2006/relationships" xmlns:p="http://schemas.openxmlformats.org/presentationml/2006/main" type="obj" preserve="1">
   <p:cSld name="Title, Content">
     <p:spTree>
       <p:nvGrpSpPr>
@@ -2042,7 +2256,8 @@
           </a:prstGeom>
         </p:spPr>
         <p:txBody>
-          <a:bodyPr lIns="0" rIns="0" tIns="0" bIns="0" anchor="ctr"/>
+          <a:bodyPr lIns="0" tIns="0" rIns="0" bIns="0" anchor="ctr"/>
+          <a:lstStyle/>
           <a:p>
             <a:pPr algn="ctr"/>
             <a:endParaRPr/>
@@ -2069,7 +2284,8 @@
           </a:prstGeom>
         </p:spPr>
         <p:txBody>
-          <a:bodyPr lIns="0" rIns="0" tIns="0" bIns="0"/>
+          <a:bodyPr lIns="0" tIns="0" rIns="0" bIns="0"/>
+          <a:lstStyle/>
           <a:p>
             <a:endParaRPr/>
           </a:p>
@@ -2077,11 +2293,14 @@
       </p:sp>
     </p:spTree>
   </p:cSld>
+  <p:clrMapOvr>
+    <a:masterClrMapping/>
+  </p:clrMapOvr>
 </p:sldLayout>
 </file>
 
 <file path=ppt/slideLayouts/slideLayout30.xml><?xml version="1.0" encoding="utf-8"?>
-<p:sldLayout xmlns:a="http://schemas.openxmlformats.org/drawingml/2006/main" xmlns:p="http://schemas.openxmlformats.org/presentationml/2006/main" xmlns:r="http://schemas.openxmlformats.org/officeDocument/2006/relationships" type="objOnly" preserve="1">
+<p:sldLayout xmlns:a="http://schemas.openxmlformats.org/drawingml/2006/main" xmlns:r="http://schemas.openxmlformats.org/officeDocument/2006/relationships" xmlns:p="http://schemas.openxmlformats.org/presentationml/2006/main" type="objOnly" preserve="1">
   <p:cSld name="Centered Text">
     <p:spTree>
       <p:nvGrpSpPr>
@@ -2117,7 +2336,8 @@
           </a:prstGeom>
         </p:spPr>
         <p:txBody>
-          <a:bodyPr lIns="0" rIns="0" tIns="0" bIns="0" anchor="ctr"/>
+          <a:bodyPr lIns="0" tIns="0" rIns="0" bIns="0" anchor="ctr"/>
+          <a:lstStyle/>
           <a:p>
             <a:pPr algn="ctr"/>
             <a:endParaRPr/>
@@ -2126,11 +2346,14 @@
       </p:sp>
     </p:spTree>
   </p:cSld>
+  <p:clrMapOvr>
+    <a:masterClrMapping/>
+  </p:clrMapOvr>
 </p:sldLayout>
 </file>
 
 <file path=ppt/slideLayouts/slideLayout31.xml><?xml version="1.0" encoding="utf-8"?>
-<p:sldLayout xmlns:a="http://schemas.openxmlformats.org/drawingml/2006/main" xmlns:p="http://schemas.openxmlformats.org/presentationml/2006/main" xmlns:r="http://schemas.openxmlformats.org/officeDocument/2006/relationships" type="twoObjAndObj" preserve="1">
+<p:sldLayout xmlns:a="http://schemas.openxmlformats.org/drawingml/2006/main" xmlns:r="http://schemas.openxmlformats.org/officeDocument/2006/relationships" xmlns:p="http://schemas.openxmlformats.org/presentationml/2006/main" type="twoObjAndObj" preserve="1">
   <p:cSld name="Title, 2 Content and Content">
     <p:spTree>
       <p:nvGrpSpPr>
@@ -2166,7 +2389,8 @@
           </a:prstGeom>
         </p:spPr>
         <p:txBody>
-          <a:bodyPr lIns="0" rIns="0" tIns="0" bIns="0" anchor="ctr"/>
+          <a:bodyPr lIns="0" tIns="0" rIns="0" bIns="0" anchor="ctr"/>
+          <a:lstStyle/>
           <a:p>
             <a:pPr algn="ctr"/>
             <a:endParaRPr/>
@@ -2193,7 +2417,8 @@
           </a:prstGeom>
         </p:spPr>
         <p:txBody>
-          <a:bodyPr lIns="0" rIns="0" tIns="0" bIns="0"/>
+          <a:bodyPr lIns="0" tIns="0" rIns="0" bIns="0"/>
+          <a:lstStyle/>
           <a:p>
             <a:endParaRPr/>
           </a:p>
@@ -2219,7 +2444,8 @@
           </a:prstGeom>
         </p:spPr>
         <p:txBody>
-          <a:bodyPr lIns="0" rIns="0" tIns="0" bIns="0"/>
+          <a:bodyPr lIns="0" tIns="0" rIns="0" bIns="0"/>
+          <a:lstStyle/>
           <a:p>
             <a:endParaRPr/>
           </a:p>
@@ -2245,7 +2471,8 @@
           </a:prstGeom>
         </p:spPr>
         <p:txBody>
-          <a:bodyPr lIns="0" rIns="0" tIns="0" bIns="0"/>
+          <a:bodyPr lIns="0" tIns="0" rIns="0" bIns="0"/>
+          <a:lstStyle/>
           <a:p>
             <a:endParaRPr/>
           </a:p>
@@ -2253,11 +2480,14 @@
       </p:sp>
     </p:spTree>
   </p:cSld>
+  <p:clrMapOvr>
+    <a:masterClrMapping/>
+  </p:clrMapOvr>
 </p:sldLayout>
 </file>
 
 <file path=ppt/slideLayouts/slideLayout32.xml><?xml version="1.0" encoding="utf-8"?>
-<p:sldLayout xmlns:a="http://schemas.openxmlformats.org/drawingml/2006/main" xmlns:p="http://schemas.openxmlformats.org/presentationml/2006/main" xmlns:r="http://schemas.openxmlformats.org/officeDocument/2006/relationships" type="objAndTwoObj" preserve="1">
+<p:sldLayout xmlns:a="http://schemas.openxmlformats.org/drawingml/2006/main" xmlns:r="http://schemas.openxmlformats.org/officeDocument/2006/relationships" xmlns:p="http://schemas.openxmlformats.org/presentationml/2006/main" type="objAndTwoObj" preserve="1">
   <p:cSld name="Title Content and 2 Content">
     <p:spTree>
       <p:nvGrpSpPr>
@@ -2293,7 +2523,8 @@
           </a:prstGeom>
         </p:spPr>
         <p:txBody>
-          <a:bodyPr lIns="0" rIns="0" tIns="0" bIns="0" anchor="ctr"/>
+          <a:bodyPr lIns="0" tIns="0" rIns="0" bIns="0" anchor="ctr"/>
+          <a:lstStyle/>
           <a:p>
             <a:pPr algn="ctr"/>
             <a:endParaRPr/>
@@ -2320,7 +2551,8 @@
           </a:prstGeom>
         </p:spPr>
         <p:txBody>
-          <a:bodyPr lIns="0" rIns="0" tIns="0" bIns="0"/>
+          <a:bodyPr lIns="0" tIns="0" rIns="0" bIns="0"/>
+          <a:lstStyle/>
           <a:p>
             <a:endParaRPr/>
           </a:p>
@@ -2346,7 +2578,8 @@
           </a:prstGeom>
         </p:spPr>
         <p:txBody>
-          <a:bodyPr lIns="0" rIns="0" tIns="0" bIns="0"/>
+          <a:bodyPr lIns="0" tIns="0" rIns="0" bIns="0"/>
+          <a:lstStyle/>
           <a:p>
             <a:endParaRPr/>
           </a:p>
@@ -2372,7 +2605,8 @@
           </a:prstGeom>
         </p:spPr>
         <p:txBody>
-          <a:bodyPr lIns="0" rIns="0" tIns="0" bIns="0"/>
+          <a:bodyPr lIns="0" tIns="0" rIns="0" bIns="0"/>
+          <a:lstStyle/>
           <a:p>
             <a:endParaRPr/>
           </a:p>
@@ -2380,11 +2614,14 @@
       </p:sp>
     </p:spTree>
   </p:cSld>
+  <p:clrMapOvr>
+    <a:masterClrMapping/>
+  </p:clrMapOvr>
 </p:sldLayout>
 </file>
 
 <file path=ppt/slideLayouts/slideLayout33.xml><?xml version="1.0" encoding="utf-8"?>
-<p:sldLayout xmlns:a="http://schemas.openxmlformats.org/drawingml/2006/main" xmlns:p="http://schemas.openxmlformats.org/presentationml/2006/main" xmlns:r="http://schemas.openxmlformats.org/officeDocument/2006/relationships" type="twoObjOverTx" preserve="1">
+<p:sldLayout xmlns:a="http://schemas.openxmlformats.org/drawingml/2006/main" xmlns:r="http://schemas.openxmlformats.org/officeDocument/2006/relationships" xmlns:p="http://schemas.openxmlformats.org/presentationml/2006/main" type="twoObjOverTx" preserve="1">
   <p:cSld name="Title, 2 Content over Content">
     <p:spTree>
       <p:nvGrpSpPr>
@@ -2420,7 +2657,8 @@
           </a:prstGeom>
         </p:spPr>
         <p:txBody>
-          <a:bodyPr lIns="0" rIns="0" tIns="0" bIns="0" anchor="ctr"/>
+          <a:bodyPr lIns="0" tIns="0" rIns="0" bIns="0" anchor="ctr"/>
+          <a:lstStyle/>
           <a:p>
             <a:pPr algn="ctr"/>
             <a:endParaRPr/>
@@ -2447,7 +2685,8 @@
           </a:prstGeom>
         </p:spPr>
         <p:txBody>
-          <a:bodyPr lIns="0" rIns="0" tIns="0" bIns="0"/>
+          <a:bodyPr lIns="0" tIns="0" rIns="0" bIns="0"/>
+          <a:lstStyle/>
           <a:p>
             <a:endParaRPr/>
           </a:p>
@@ -2473,7 +2712,8 @@
           </a:prstGeom>
         </p:spPr>
         <p:txBody>
-          <a:bodyPr lIns="0" rIns="0" tIns="0" bIns="0"/>
+          <a:bodyPr lIns="0" tIns="0" rIns="0" bIns="0"/>
+          <a:lstStyle/>
           <a:p>
             <a:endParaRPr/>
           </a:p>
@@ -2499,7 +2739,8 @@
           </a:prstGeom>
         </p:spPr>
         <p:txBody>
-          <a:bodyPr lIns="0" rIns="0" tIns="0" bIns="0"/>
+          <a:bodyPr lIns="0" tIns="0" rIns="0" bIns="0"/>
+          <a:lstStyle/>
           <a:p>
             <a:endParaRPr/>
           </a:p>
@@ -2507,11 +2748,14 @@
       </p:sp>
     </p:spTree>
   </p:cSld>
+  <p:clrMapOvr>
+    <a:masterClrMapping/>
+  </p:clrMapOvr>
 </p:sldLayout>
 </file>
 
 <file path=ppt/slideLayouts/slideLayout34.xml><?xml version="1.0" encoding="utf-8"?>
-<p:sldLayout xmlns:a="http://schemas.openxmlformats.org/drawingml/2006/main" xmlns:p="http://schemas.openxmlformats.org/presentationml/2006/main" xmlns:r="http://schemas.openxmlformats.org/officeDocument/2006/relationships" type="objOverTx" preserve="1">
+<p:sldLayout xmlns:a="http://schemas.openxmlformats.org/drawingml/2006/main" xmlns:r="http://schemas.openxmlformats.org/officeDocument/2006/relationships" xmlns:p="http://schemas.openxmlformats.org/presentationml/2006/main" type="objOverTx" preserve="1">
   <p:cSld name="Title, Content over Content">
     <p:spTree>
       <p:nvGrpSpPr>
@@ -2547,7 +2791,8 @@
           </a:prstGeom>
         </p:spPr>
         <p:txBody>
-          <a:bodyPr lIns="0" rIns="0" tIns="0" bIns="0" anchor="ctr"/>
+          <a:bodyPr lIns="0" tIns="0" rIns="0" bIns="0" anchor="ctr"/>
+          <a:lstStyle/>
           <a:p>
             <a:pPr algn="ctr"/>
             <a:endParaRPr/>
@@ -2574,7 +2819,8 @@
           </a:prstGeom>
         </p:spPr>
         <p:txBody>
-          <a:bodyPr lIns="0" rIns="0" tIns="0" bIns="0"/>
+          <a:bodyPr lIns="0" tIns="0" rIns="0" bIns="0"/>
+          <a:lstStyle/>
           <a:p>
             <a:endParaRPr/>
           </a:p>
@@ -2600,7 +2846,8 @@
           </a:prstGeom>
         </p:spPr>
         <p:txBody>
-          <a:bodyPr lIns="0" rIns="0" tIns="0" bIns="0"/>
+          <a:bodyPr lIns="0" tIns="0" rIns="0" bIns="0"/>
+          <a:lstStyle/>
           <a:p>
             <a:endParaRPr/>
           </a:p>
@@ -2608,11 +2855,14 @@
       </p:sp>
     </p:spTree>
   </p:cSld>
+  <p:clrMapOvr>
+    <a:masterClrMapping/>
+  </p:clrMapOvr>
 </p:sldLayout>
 </file>
 
 <file path=ppt/slideLayouts/slideLayout35.xml><?xml version="1.0" encoding="utf-8"?>
-<p:sldLayout xmlns:a="http://schemas.openxmlformats.org/drawingml/2006/main" xmlns:p="http://schemas.openxmlformats.org/presentationml/2006/main" xmlns:r="http://schemas.openxmlformats.org/officeDocument/2006/relationships" type="fourObj" preserve="1">
+<p:sldLayout xmlns:a="http://schemas.openxmlformats.org/drawingml/2006/main" xmlns:r="http://schemas.openxmlformats.org/officeDocument/2006/relationships" xmlns:p="http://schemas.openxmlformats.org/presentationml/2006/main" type="fourObj" preserve="1">
   <p:cSld name="Title, 4 Content">
     <p:spTree>
       <p:nvGrpSpPr>
@@ -2648,7 +2898,8 @@
           </a:prstGeom>
         </p:spPr>
         <p:txBody>
-          <a:bodyPr lIns="0" rIns="0" tIns="0" bIns="0" anchor="ctr"/>
+          <a:bodyPr lIns="0" tIns="0" rIns="0" bIns="0" anchor="ctr"/>
+          <a:lstStyle/>
           <a:p>
             <a:pPr algn="ctr"/>
             <a:endParaRPr/>
@@ -2675,7 +2926,8 @@
           </a:prstGeom>
         </p:spPr>
         <p:txBody>
-          <a:bodyPr lIns="0" rIns="0" tIns="0" bIns="0"/>
+          <a:bodyPr lIns="0" tIns="0" rIns="0" bIns="0"/>
+          <a:lstStyle/>
           <a:p>
             <a:endParaRPr/>
           </a:p>
@@ -2701,7 +2953,8 @@
           </a:prstGeom>
         </p:spPr>
         <p:txBody>
-          <a:bodyPr lIns="0" rIns="0" tIns="0" bIns="0"/>
+          <a:bodyPr lIns="0" tIns="0" rIns="0" bIns="0"/>
+          <a:lstStyle/>
           <a:p>
             <a:endParaRPr/>
           </a:p>
@@ -2727,7 +2980,8 @@
           </a:prstGeom>
         </p:spPr>
         <p:txBody>
-          <a:bodyPr lIns="0" rIns="0" tIns="0" bIns="0"/>
+          <a:bodyPr lIns="0" tIns="0" rIns="0" bIns="0"/>
+          <a:lstStyle/>
           <a:p>
             <a:endParaRPr/>
           </a:p>
@@ -2753,7 +3007,8 @@
           </a:prstGeom>
         </p:spPr>
         <p:txBody>
-          <a:bodyPr lIns="0" rIns="0" tIns="0" bIns="0"/>
+          <a:bodyPr lIns="0" tIns="0" rIns="0" bIns="0"/>
+          <a:lstStyle/>
           <a:p>
             <a:endParaRPr/>
           </a:p>
@@ -2761,11 +3016,14 @@
       </p:sp>
     </p:spTree>
   </p:cSld>
+  <p:clrMapOvr>
+    <a:masterClrMapping/>
+  </p:clrMapOvr>
 </p:sldLayout>
 </file>
 
 <file path=ppt/slideLayouts/slideLayout36.xml><?xml version="1.0" encoding="utf-8"?>
-<p:sldLayout xmlns:a="http://schemas.openxmlformats.org/drawingml/2006/main" xmlns:p="http://schemas.openxmlformats.org/presentationml/2006/main" xmlns:r="http://schemas.openxmlformats.org/officeDocument/2006/relationships" type="blank" preserve="1">
+<p:sldLayout xmlns:a="http://schemas.openxmlformats.org/drawingml/2006/main" xmlns:r="http://schemas.openxmlformats.org/officeDocument/2006/relationships" xmlns:p="http://schemas.openxmlformats.org/presentationml/2006/main" type="blank" preserve="1">
   <p:cSld name="Title, 6 Content">
     <p:spTree>
       <p:nvGrpSpPr>
@@ -2801,7 +3059,8 @@
           </a:prstGeom>
         </p:spPr>
         <p:txBody>
-          <a:bodyPr lIns="0" rIns="0" tIns="0" bIns="0" anchor="ctr"/>
+          <a:bodyPr lIns="0" tIns="0" rIns="0" bIns="0" anchor="ctr"/>
+          <a:lstStyle/>
           <a:p>
             <a:pPr algn="ctr"/>
             <a:endParaRPr/>
@@ -2828,7 +3087,8 @@
           </a:prstGeom>
         </p:spPr>
         <p:txBody>
-          <a:bodyPr lIns="0" rIns="0" tIns="0" bIns="0"/>
+          <a:bodyPr lIns="0" tIns="0" rIns="0" bIns="0"/>
+          <a:lstStyle/>
           <a:p>
             <a:endParaRPr/>
           </a:p>
@@ -2854,7 +3114,8 @@
           </a:prstGeom>
         </p:spPr>
         <p:txBody>
-          <a:bodyPr lIns="0" rIns="0" tIns="0" bIns="0"/>
+          <a:bodyPr lIns="0" tIns="0" rIns="0" bIns="0"/>
+          <a:lstStyle/>
           <a:p>
             <a:endParaRPr/>
           </a:p>
@@ -2862,7 +3123,7 @@
       </p:sp>
       <p:pic>
         <p:nvPicPr>
-          <p:cNvPr id="109" name="" descr=""/>
+          <p:cNvPr id="109" name="108 Imagen"/>
           <p:cNvPicPr/>
           <p:nvPr/>
         </p:nvPicPr>
@@ -2887,12 +3148,12 @@
       </p:pic>
       <p:pic>
         <p:nvPicPr>
-          <p:cNvPr id="110" name="" descr=""/>
+          <p:cNvPr id="110" name="109 Imagen"/>
           <p:cNvPicPr/>
           <p:nvPr/>
         </p:nvPicPr>
         <p:blipFill>
-          <a:blip r:embed="rId3"/>
+          <a:blip r:embed="rId2"/>
           <a:stretch>
             <a:fillRect/>
           </a:stretch>
@@ -2912,11 +3173,14 @@
       </p:pic>
     </p:spTree>
   </p:cSld>
+  <p:clrMapOvr>
+    <a:masterClrMapping/>
+  </p:clrMapOvr>
 </p:sldLayout>
 </file>
 
 <file path=ppt/slideLayouts/slideLayout37.xml><?xml version="1.0" encoding="utf-8"?>
-<p:sldLayout xmlns:a="http://schemas.openxmlformats.org/drawingml/2006/main" xmlns:p="http://schemas.openxmlformats.org/presentationml/2006/main" xmlns:r="http://schemas.openxmlformats.org/officeDocument/2006/relationships" type="blank" preserve="1">
+<p:sldLayout xmlns:a="http://schemas.openxmlformats.org/drawingml/2006/main" xmlns:r="http://schemas.openxmlformats.org/officeDocument/2006/relationships" xmlns:p="http://schemas.openxmlformats.org/presentationml/2006/main" type="blank" preserve="1">
   <p:cSld name="Blank Slide">
     <p:spTree>
       <p:nvGrpSpPr>
@@ -2934,11 +3198,14 @@
       </p:grpSpPr>
     </p:spTree>
   </p:cSld>
+  <p:clrMapOvr>
+    <a:masterClrMapping/>
+  </p:clrMapOvr>
 </p:sldLayout>
 </file>
 
 <file path=ppt/slideLayouts/slideLayout38.xml><?xml version="1.0" encoding="utf-8"?>
-<p:sldLayout xmlns:a="http://schemas.openxmlformats.org/drawingml/2006/main" xmlns:p="http://schemas.openxmlformats.org/presentationml/2006/main" xmlns:r="http://schemas.openxmlformats.org/officeDocument/2006/relationships" type="tx" preserve="1">
+<p:sldLayout xmlns:a="http://schemas.openxmlformats.org/drawingml/2006/main" xmlns:r="http://schemas.openxmlformats.org/officeDocument/2006/relationships" xmlns:p="http://schemas.openxmlformats.org/presentationml/2006/main" type="tx" preserve="1">
   <p:cSld name="Title Slide">
     <p:spTree>
       <p:nvGrpSpPr>
@@ -2974,7 +3241,8 @@
           </a:prstGeom>
         </p:spPr>
         <p:txBody>
-          <a:bodyPr lIns="0" rIns="0" tIns="0" bIns="0" anchor="ctr"/>
+          <a:bodyPr lIns="0" tIns="0" rIns="0" bIns="0" anchor="ctr"/>
+          <a:lstStyle/>
           <a:p>
             <a:pPr algn="ctr"/>
             <a:endParaRPr/>
@@ -3001,7 +3269,8 @@
           </a:prstGeom>
         </p:spPr>
         <p:txBody>
-          <a:bodyPr lIns="0" rIns="0" tIns="0" bIns="0" anchor="ctr"/>
+          <a:bodyPr lIns="0" tIns="0" rIns="0" bIns="0" anchor="ctr"/>
+          <a:lstStyle/>
           <a:p>
             <a:pPr algn="ctr"/>
             <a:endParaRPr/>
@@ -3010,11 +3279,14 @@
       </p:sp>
     </p:spTree>
   </p:cSld>
+  <p:clrMapOvr>
+    <a:masterClrMapping/>
+  </p:clrMapOvr>
 </p:sldLayout>
 </file>
 
 <file path=ppt/slideLayouts/slideLayout39.xml><?xml version="1.0" encoding="utf-8"?>
-<p:sldLayout xmlns:a="http://schemas.openxmlformats.org/drawingml/2006/main" xmlns:p="http://schemas.openxmlformats.org/presentationml/2006/main" xmlns:r="http://schemas.openxmlformats.org/officeDocument/2006/relationships" type="obj" preserve="1">
+<p:sldLayout xmlns:a="http://schemas.openxmlformats.org/drawingml/2006/main" xmlns:r="http://schemas.openxmlformats.org/officeDocument/2006/relationships" xmlns:p="http://schemas.openxmlformats.org/presentationml/2006/main" type="obj" preserve="1">
   <p:cSld name="Title, Content">
     <p:spTree>
       <p:nvGrpSpPr>
@@ -3050,7 +3322,8 @@
           </a:prstGeom>
         </p:spPr>
         <p:txBody>
-          <a:bodyPr lIns="0" rIns="0" tIns="0" bIns="0" anchor="ctr"/>
+          <a:bodyPr lIns="0" tIns="0" rIns="0" bIns="0" anchor="ctr"/>
+          <a:lstStyle/>
           <a:p>
             <a:pPr algn="ctr"/>
             <a:endParaRPr/>
@@ -3077,7 +3350,8 @@
           </a:prstGeom>
         </p:spPr>
         <p:txBody>
-          <a:bodyPr lIns="0" rIns="0" tIns="0" bIns="0"/>
+          <a:bodyPr lIns="0" tIns="0" rIns="0" bIns="0"/>
+          <a:lstStyle/>
           <a:p>
             <a:endParaRPr/>
           </a:p>
@@ -3085,11 +3359,14 @@
       </p:sp>
     </p:spTree>
   </p:cSld>
+  <p:clrMapOvr>
+    <a:masterClrMapping/>
+  </p:clrMapOvr>
 </p:sldLayout>
 </file>
 
 <file path=ppt/slideLayouts/slideLayout4.xml><?xml version="1.0" encoding="utf-8"?>
-<p:sldLayout xmlns:a="http://schemas.openxmlformats.org/drawingml/2006/main" xmlns:p="http://schemas.openxmlformats.org/presentationml/2006/main" xmlns:r="http://schemas.openxmlformats.org/officeDocument/2006/relationships" type="twoObj" preserve="1">
+<p:sldLayout xmlns:a="http://schemas.openxmlformats.org/drawingml/2006/main" xmlns:r="http://schemas.openxmlformats.org/officeDocument/2006/relationships" xmlns:p="http://schemas.openxmlformats.org/presentationml/2006/main" type="twoObj" preserve="1">
   <p:cSld name="Title, 2 Content">
     <p:spTree>
       <p:nvGrpSpPr>
@@ -3125,7 +3402,8 @@
           </a:prstGeom>
         </p:spPr>
         <p:txBody>
-          <a:bodyPr lIns="0" rIns="0" tIns="0" bIns="0" anchor="ctr"/>
+          <a:bodyPr lIns="0" tIns="0" rIns="0" bIns="0" anchor="ctr"/>
+          <a:lstStyle/>
           <a:p>
             <a:pPr algn="ctr"/>
             <a:endParaRPr/>
@@ -3152,7 +3430,8 @@
           </a:prstGeom>
         </p:spPr>
         <p:txBody>
-          <a:bodyPr lIns="0" rIns="0" tIns="0" bIns="0"/>
+          <a:bodyPr lIns="0" tIns="0" rIns="0" bIns="0"/>
+          <a:lstStyle/>
           <a:p>
             <a:endParaRPr/>
           </a:p>
@@ -3178,7 +3457,8 @@
           </a:prstGeom>
         </p:spPr>
         <p:txBody>
-          <a:bodyPr lIns="0" rIns="0" tIns="0" bIns="0"/>
+          <a:bodyPr lIns="0" tIns="0" rIns="0" bIns="0"/>
+          <a:lstStyle/>
           <a:p>
             <a:endParaRPr/>
           </a:p>
@@ -3186,11 +3466,14 @@
       </p:sp>
     </p:spTree>
   </p:cSld>
+  <p:clrMapOvr>
+    <a:masterClrMapping/>
+  </p:clrMapOvr>
 </p:sldLayout>
 </file>
 
 <file path=ppt/slideLayouts/slideLayout40.xml><?xml version="1.0" encoding="utf-8"?>
-<p:sldLayout xmlns:a="http://schemas.openxmlformats.org/drawingml/2006/main" xmlns:p="http://schemas.openxmlformats.org/presentationml/2006/main" xmlns:r="http://schemas.openxmlformats.org/officeDocument/2006/relationships" type="twoObj" preserve="1">
+<p:sldLayout xmlns:a="http://schemas.openxmlformats.org/drawingml/2006/main" xmlns:r="http://schemas.openxmlformats.org/officeDocument/2006/relationships" xmlns:p="http://schemas.openxmlformats.org/presentationml/2006/main" type="twoObj" preserve="1">
   <p:cSld name="Title, 2 Content">
     <p:spTree>
       <p:nvGrpSpPr>
@@ -3226,7 +3509,8 @@
           </a:prstGeom>
         </p:spPr>
         <p:txBody>
-          <a:bodyPr lIns="0" rIns="0" tIns="0" bIns="0" anchor="ctr"/>
+          <a:bodyPr lIns="0" tIns="0" rIns="0" bIns="0" anchor="ctr"/>
+          <a:lstStyle/>
           <a:p>
             <a:pPr algn="ctr"/>
             <a:endParaRPr/>
@@ -3253,7 +3537,8 @@
           </a:prstGeom>
         </p:spPr>
         <p:txBody>
-          <a:bodyPr lIns="0" rIns="0" tIns="0" bIns="0"/>
+          <a:bodyPr lIns="0" tIns="0" rIns="0" bIns="0"/>
+          <a:lstStyle/>
           <a:p>
             <a:endParaRPr/>
           </a:p>
@@ -3279,7 +3564,8 @@
           </a:prstGeom>
         </p:spPr>
         <p:txBody>
-          <a:bodyPr lIns="0" rIns="0" tIns="0" bIns="0"/>
+          <a:bodyPr lIns="0" tIns="0" rIns="0" bIns="0"/>
+          <a:lstStyle/>
           <a:p>
             <a:endParaRPr/>
           </a:p>
@@ -3287,11 +3573,14 @@
       </p:sp>
     </p:spTree>
   </p:cSld>
+  <p:clrMapOvr>
+    <a:masterClrMapping/>
+  </p:clrMapOvr>
 </p:sldLayout>
 </file>
 
 <file path=ppt/slideLayouts/slideLayout41.xml><?xml version="1.0" encoding="utf-8"?>
-<p:sldLayout xmlns:a="http://schemas.openxmlformats.org/drawingml/2006/main" xmlns:p="http://schemas.openxmlformats.org/presentationml/2006/main" xmlns:r="http://schemas.openxmlformats.org/officeDocument/2006/relationships" type="titleOnly" preserve="1">
+<p:sldLayout xmlns:a="http://schemas.openxmlformats.org/drawingml/2006/main" xmlns:r="http://schemas.openxmlformats.org/officeDocument/2006/relationships" xmlns:p="http://schemas.openxmlformats.org/presentationml/2006/main" type="titleOnly" preserve="1">
   <p:cSld name="Title Only">
     <p:spTree>
       <p:nvGrpSpPr>
@@ -3327,7 +3616,8 @@
           </a:prstGeom>
         </p:spPr>
         <p:txBody>
-          <a:bodyPr lIns="0" rIns="0" tIns="0" bIns="0" anchor="ctr"/>
+          <a:bodyPr lIns="0" tIns="0" rIns="0" bIns="0" anchor="ctr"/>
+          <a:lstStyle/>
           <a:p>
             <a:pPr algn="ctr"/>
             <a:endParaRPr/>
@@ -3336,11 +3626,14 @@
       </p:sp>
     </p:spTree>
   </p:cSld>
+  <p:clrMapOvr>
+    <a:masterClrMapping/>
+  </p:clrMapOvr>
 </p:sldLayout>
 </file>
 
 <file path=ppt/slideLayouts/slideLayout42.xml><?xml version="1.0" encoding="utf-8"?>
-<p:sldLayout xmlns:a="http://schemas.openxmlformats.org/drawingml/2006/main" xmlns:p="http://schemas.openxmlformats.org/presentationml/2006/main" xmlns:r="http://schemas.openxmlformats.org/officeDocument/2006/relationships" type="objOnly" preserve="1">
+<p:sldLayout xmlns:a="http://schemas.openxmlformats.org/drawingml/2006/main" xmlns:r="http://schemas.openxmlformats.org/officeDocument/2006/relationships" xmlns:p="http://schemas.openxmlformats.org/presentationml/2006/main" type="objOnly" preserve="1">
   <p:cSld name="Centered Text">
     <p:spTree>
       <p:nvGrpSpPr>
@@ -3376,7 +3669,8 @@
           </a:prstGeom>
         </p:spPr>
         <p:txBody>
-          <a:bodyPr lIns="0" rIns="0" tIns="0" bIns="0" anchor="ctr"/>
+          <a:bodyPr lIns="0" tIns="0" rIns="0" bIns="0" anchor="ctr"/>
+          <a:lstStyle/>
           <a:p>
             <a:pPr algn="ctr"/>
             <a:endParaRPr/>
@@ -3385,11 +3679,14 @@
       </p:sp>
     </p:spTree>
   </p:cSld>
+  <p:clrMapOvr>
+    <a:masterClrMapping/>
+  </p:clrMapOvr>
 </p:sldLayout>
 </file>
 
 <file path=ppt/slideLayouts/slideLayout43.xml><?xml version="1.0" encoding="utf-8"?>
-<p:sldLayout xmlns:a="http://schemas.openxmlformats.org/drawingml/2006/main" xmlns:p="http://schemas.openxmlformats.org/presentationml/2006/main" xmlns:r="http://schemas.openxmlformats.org/officeDocument/2006/relationships" type="twoObjAndObj" preserve="1">
+<p:sldLayout xmlns:a="http://schemas.openxmlformats.org/drawingml/2006/main" xmlns:r="http://schemas.openxmlformats.org/officeDocument/2006/relationships" xmlns:p="http://schemas.openxmlformats.org/presentationml/2006/main" type="twoObjAndObj" preserve="1">
   <p:cSld name="Title, 2 Content and Content">
     <p:spTree>
       <p:nvGrpSpPr>
@@ -3425,7 +3722,8 @@
           </a:prstGeom>
         </p:spPr>
         <p:txBody>
-          <a:bodyPr lIns="0" rIns="0" tIns="0" bIns="0" anchor="ctr"/>
+          <a:bodyPr lIns="0" tIns="0" rIns="0" bIns="0" anchor="ctr"/>
+          <a:lstStyle/>
           <a:p>
             <a:pPr algn="ctr"/>
             <a:endParaRPr/>
@@ -3452,7 +3750,8 @@
           </a:prstGeom>
         </p:spPr>
         <p:txBody>
-          <a:bodyPr lIns="0" rIns="0" tIns="0" bIns="0"/>
+          <a:bodyPr lIns="0" tIns="0" rIns="0" bIns="0"/>
+          <a:lstStyle/>
           <a:p>
             <a:endParaRPr/>
           </a:p>
@@ -3478,7 +3777,8 @@
           </a:prstGeom>
         </p:spPr>
         <p:txBody>
-          <a:bodyPr lIns="0" rIns="0" tIns="0" bIns="0"/>
+          <a:bodyPr lIns="0" tIns="0" rIns="0" bIns="0"/>
+          <a:lstStyle/>
           <a:p>
             <a:endParaRPr/>
           </a:p>
@@ -3504,7 +3804,8 @@
           </a:prstGeom>
         </p:spPr>
         <p:txBody>
-          <a:bodyPr lIns="0" rIns="0" tIns="0" bIns="0"/>
+          <a:bodyPr lIns="0" tIns="0" rIns="0" bIns="0"/>
+          <a:lstStyle/>
           <a:p>
             <a:endParaRPr/>
           </a:p>
@@ -3512,11 +3813,14 @@
       </p:sp>
     </p:spTree>
   </p:cSld>
+  <p:clrMapOvr>
+    <a:masterClrMapping/>
+  </p:clrMapOvr>
 </p:sldLayout>
 </file>
 
 <file path=ppt/slideLayouts/slideLayout44.xml><?xml version="1.0" encoding="utf-8"?>
-<p:sldLayout xmlns:a="http://schemas.openxmlformats.org/drawingml/2006/main" xmlns:p="http://schemas.openxmlformats.org/presentationml/2006/main" xmlns:r="http://schemas.openxmlformats.org/officeDocument/2006/relationships" type="objAndTwoObj" preserve="1">
+<p:sldLayout xmlns:a="http://schemas.openxmlformats.org/drawingml/2006/main" xmlns:r="http://schemas.openxmlformats.org/officeDocument/2006/relationships" xmlns:p="http://schemas.openxmlformats.org/presentationml/2006/main" type="objAndTwoObj" preserve="1">
   <p:cSld name="Title Content and 2 Content">
     <p:spTree>
       <p:nvGrpSpPr>
@@ -3552,7 +3856,8 @@
           </a:prstGeom>
         </p:spPr>
         <p:txBody>
-          <a:bodyPr lIns="0" rIns="0" tIns="0" bIns="0" anchor="ctr"/>
+          <a:bodyPr lIns="0" tIns="0" rIns="0" bIns="0" anchor="ctr"/>
+          <a:lstStyle/>
           <a:p>
             <a:pPr algn="ctr"/>
             <a:endParaRPr/>
@@ -3579,7 +3884,8 @@
           </a:prstGeom>
         </p:spPr>
         <p:txBody>
-          <a:bodyPr lIns="0" rIns="0" tIns="0" bIns="0"/>
+          <a:bodyPr lIns="0" tIns="0" rIns="0" bIns="0"/>
+          <a:lstStyle/>
           <a:p>
             <a:endParaRPr/>
           </a:p>
@@ -3605,7 +3911,8 @@
           </a:prstGeom>
         </p:spPr>
         <p:txBody>
-          <a:bodyPr lIns="0" rIns="0" tIns="0" bIns="0"/>
+          <a:bodyPr lIns="0" tIns="0" rIns="0" bIns="0"/>
+          <a:lstStyle/>
           <a:p>
             <a:endParaRPr/>
           </a:p>
@@ -3631,7 +3938,8 @@
           </a:prstGeom>
         </p:spPr>
         <p:txBody>
-          <a:bodyPr lIns="0" rIns="0" tIns="0" bIns="0"/>
+          <a:bodyPr lIns="0" tIns="0" rIns="0" bIns="0"/>
+          <a:lstStyle/>
           <a:p>
             <a:endParaRPr/>
           </a:p>
@@ -3639,11 +3947,14 @@
       </p:sp>
     </p:spTree>
   </p:cSld>
+  <p:clrMapOvr>
+    <a:masterClrMapping/>
+  </p:clrMapOvr>
 </p:sldLayout>
 </file>
 
 <file path=ppt/slideLayouts/slideLayout45.xml><?xml version="1.0" encoding="utf-8"?>
-<p:sldLayout xmlns:a="http://schemas.openxmlformats.org/drawingml/2006/main" xmlns:p="http://schemas.openxmlformats.org/presentationml/2006/main" xmlns:r="http://schemas.openxmlformats.org/officeDocument/2006/relationships" type="twoObjOverTx" preserve="1">
+<p:sldLayout xmlns:a="http://schemas.openxmlformats.org/drawingml/2006/main" xmlns:r="http://schemas.openxmlformats.org/officeDocument/2006/relationships" xmlns:p="http://schemas.openxmlformats.org/presentationml/2006/main" type="twoObjOverTx" preserve="1">
   <p:cSld name="Title, 2 Content over Content">
     <p:spTree>
       <p:nvGrpSpPr>
@@ -3679,7 +3990,8 @@
           </a:prstGeom>
         </p:spPr>
         <p:txBody>
-          <a:bodyPr lIns="0" rIns="0" tIns="0" bIns="0" anchor="ctr"/>
+          <a:bodyPr lIns="0" tIns="0" rIns="0" bIns="0" anchor="ctr"/>
+          <a:lstStyle/>
           <a:p>
             <a:pPr algn="ctr"/>
             <a:endParaRPr/>
@@ -3706,7 +4018,8 @@
           </a:prstGeom>
         </p:spPr>
         <p:txBody>
-          <a:bodyPr lIns="0" rIns="0" tIns="0" bIns="0"/>
+          <a:bodyPr lIns="0" tIns="0" rIns="0" bIns="0"/>
+          <a:lstStyle/>
           <a:p>
             <a:endParaRPr/>
           </a:p>
@@ -3732,7 +4045,8 @@
           </a:prstGeom>
         </p:spPr>
         <p:txBody>
-          <a:bodyPr lIns="0" rIns="0" tIns="0" bIns="0"/>
+          <a:bodyPr lIns="0" tIns="0" rIns="0" bIns="0"/>
+          <a:lstStyle/>
           <a:p>
             <a:endParaRPr/>
           </a:p>
@@ -3758,7 +4072,8 @@
           </a:prstGeom>
         </p:spPr>
         <p:txBody>
-          <a:bodyPr lIns="0" rIns="0" tIns="0" bIns="0"/>
+          <a:bodyPr lIns="0" tIns="0" rIns="0" bIns="0"/>
+          <a:lstStyle/>
           <a:p>
             <a:endParaRPr/>
           </a:p>
@@ -3766,11 +4081,14 @@
       </p:sp>
     </p:spTree>
   </p:cSld>
+  <p:clrMapOvr>
+    <a:masterClrMapping/>
+  </p:clrMapOvr>
 </p:sldLayout>
 </file>
 
 <file path=ppt/slideLayouts/slideLayout46.xml><?xml version="1.0" encoding="utf-8"?>
-<p:sldLayout xmlns:a="http://schemas.openxmlformats.org/drawingml/2006/main" xmlns:p="http://schemas.openxmlformats.org/presentationml/2006/main" xmlns:r="http://schemas.openxmlformats.org/officeDocument/2006/relationships" type="objOverTx" preserve="1">
+<p:sldLayout xmlns:a="http://schemas.openxmlformats.org/drawingml/2006/main" xmlns:r="http://schemas.openxmlformats.org/officeDocument/2006/relationships" xmlns:p="http://schemas.openxmlformats.org/presentationml/2006/main" type="objOverTx" preserve="1">
   <p:cSld name="Title, Content over Content">
     <p:spTree>
       <p:nvGrpSpPr>
@@ -3806,7 +4124,8 @@
           </a:prstGeom>
         </p:spPr>
         <p:txBody>
-          <a:bodyPr lIns="0" rIns="0" tIns="0" bIns="0" anchor="ctr"/>
+          <a:bodyPr lIns="0" tIns="0" rIns="0" bIns="0" anchor="ctr"/>
+          <a:lstStyle/>
           <a:p>
             <a:pPr algn="ctr"/>
             <a:endParaRPr/>
@@ -3833,7 +4152,8 @@
           </a:prstGeom>
         </p:spPr>
         <p:txBody>
-          <a:bodyPr lIns="0" rIns="0" tIns="0" bIns="0"/>
+          <a:bodyPr lIns="0" tIns="0" rIns="0" bIns="0"/>
+          <a:lstStyle/>
           <a:p>
             <a:endParaRPr/>
           </a:p>
@@ -3859,7 +4179,8 @@
           </a:prstGeom>
         </p:spPr>
         <p:txBody>
-          <a:bodyPr lIns="0" rIns="0" tIns="0" bIns="0"/>
+          <a:bodyPr lIns="0" tIns="0" rIns="0" bIns="0"/>
+          <a:lstStyle/>
           <a:p>
             <a:endParaRPr/>
           </a:p>
@@ -3867,11 +4188,14 @@
       </p:sp>
     </p:spTree>
   </p:cSld>
+  <p:clrMapOvr>
+    <a:masterClrMapping/>
+  </p:clrMapOvr>
 </p:sldLayout>
 </file>
 
 <file path=ppt/slideLayouts/slideLayout47.xml><?xml version="1.0" encoding="utf-8"?>
-<p:sldLayout xmlns:a="http://schemas.openxmlformats.org/drawingml/2006/main" xmlns:p="http://schemas.openxmlformats.org/presentationml/2006/main" xmlns:r="http://schemas.openxmlformats.org/officeDocument/2006/relationships" type="fourObj" preserve="1">
+<p:sldLayout xmlns:a="http://schemas.openxmlformats.org/drawingml/2006/main" xmlns:r="http://schemas.openxmlformats.org/officeDocument/2006/relationships" xmlns:p="http://schemas.openxmlformats.org/presentationml/2006/main" type="fourObj" preserve="1">
   <p:cSld name="Title, 4 Content">
     <p:spTree>
       <p:nvGrpSpPr>
@@ -3907,7 +4231,8 @@
           </a:prstGeom>
         </p:spPr>
         <p:txBody>
-          <a:bodyPr lIns="0" rIns="0" tIns="0" bIns="0" anchor="ctr"/>
+          <a:bodyPr lIns="0" tIns="0" rIns="0" bIns="0" anchor="ctr"/>
+          <a:lstStyle/>
           <a:p>
             <a:pPr algn="ctr"/>
             <a:endParaRPr/>
@@ -3934,7 +4259,8 @@
           </a:prstGeom>
         </p:spPr>
         <p:txBody>
-          <a:bodyPr lIns="0" rIns="0" tIns="0" bIns="0"/>
+          <a:bodyPr lIns="0" tIns="0" rIns="0" bIns="0"/>
+          <a:lstStyle/>
           <a:p>
             <a:endParaRPr/>
           </a:p>
@@ -3960,7 +4286,8 @@
           </a:prstGeom>
         </p:spPr>
         <p:txBody>
-          <a:bodyPr lIns="0" rIns="0" tIns="0" bIns="0"/>
+          <a:bodyPr lIns="0" tIns="0" rIns="0" bIns="0"/>
+          <a:lstStyle/>
           <a:p>
             <a:endParaRPr/>
           </a:p>
@@ -3986,7 +4313,8 @@
           </a:prstGeom>
         </p:spPr>
         <p:txBody>
-          <a:bodyPr lIns="0" rIns="0" tIns="0" bIns="0"/>
+          <a:bodyPr lIns="0" tIns="0" rIns="0" bIns="0"/>
+          <a:lstStyle/>
           <a:p>
             <a:endParaRPr/>
           </a:p>
@@ -4012,7 +4340,8 @@
           </a:prstGeom>
         </p:spPr>
         <p:txBody>
-          <a:bodyPr lIns="0" rIns="0" tIns="0" bIns="0"/>
+          <a:bodyPr lIns="0" tIns="0" rIns="0" bIns="0"/>
+          <a:lstStyle/>
           <a:p>
             <a:endParaRPr/>
           </a:p>
@@ -4020,11 +4349,14 @@
       </p:sp>
     </p:spTree>
   </p:cSld>
+  <p:clrMapOvr>
+    <a:masterClrMapping/>
+  </p:clrMapOvr>
 </p:sldLayout>
 </file>
 
 <file path=ppt/slideLayouts/slideLayout48.xml><?xml version="1.0" encoding="utf-8"?>
-<p:sldLayout xmlns:a="http://schemas.openxmlformats.org/drawingml/2006/main" xmlns:p="http://schemas.openxmlformats.org/presentationml/2006/main" xmlns:r="http://schemas.openxmlformats.org/officeDocument/2006/relationships" type="blank" preserve="1">
+<p:sldLayout xmlns:a="http://schemas.openxmlformats.org/drawingml/2006/main" xmlns:r="http://schemas.openxmlformats.org/officeDocument/2006/relationships" xmlns:p="http://schemas.openxmlformats.org/presentationml/2006/main" type="blank" preserve="1">
   <p:cSld name="Title, 6 Content">
     <p:spTree>
       <p:nvGrpSpPr>
@@ -4060,7 +4392,8 @@
           </a:prstGeom>
         </p:spPr>
         <p:txBody>
-          <a:bodyPr lIns="0" rIns="0" tIns="0" bIns="0" anchor="ctr"/>
+          <a:bodyPr lIns="0" tIns="0" rIns="0" bIns="0" anchor="ctr"/>
+          <a:lstStyle/>
           <a:p>
             <a:pPr algn="ctr"/>
             <a:endParaRPr/>
@@ -4087,7 +4420,8 @@
           </a:prstGeom>
         </p:spPr>
         <p:txBody>
-          <a:bodyPr lIns="0" rIns="0" tIns="0" bIns="0"/>
+          <a:bodyPr lIns="0" tIns="0" rIns="0" bIns="0"/>
+          <a:lstStyle/>
           <a:p>
             <a:endParaRPr/>
           </a:p>
@@ -4113,7 +4447,8 @@
           </a:prstGeom>
         </p:spPr>
         <p:txBody>
-          <a:bodyPr lIns="0" rIns="0" tIns="0" bIns="0"/>
+          <a:bodyPr lIns="0" tIns="0" rIns="0" bIns="0"/>
+          <a:lstStyle/>
           <a:p>
             <a:endParaRPr/>
           </a:p>
@@ -4121,7 +4456,7 @@
       </p:sp>
       <p:pic>
         <p:nvPicPr>
-          <p:cNvPr id="146" name="" descr=""/>
+          <p:cNvPr id="146" name="145 Imagen"/>
           <p:cNvPicPr/>
           <p:nvPr/>
         </p:nvPicPr>
@@ -4146,12 +4481,12 @@
       </p:pic>
       <p:pic>
         <p:nvPicPr>
-          <p:cNvPr id="147" name="" descr=""/>
+          <p:cNvPr id="147" name="146 Imagen"/>
           <p:cNvPicPr/>
           <p:nvPr/>
         </p:nvPicPr>
         <p:blipFill>
-          <a:blip r:embed="rId3"/>
+          <a:blip r:embed="rId2"/>
           <a:stretch>
             <a:fillRect/>
           </a:stretch>
@@ -4171,11 +4506,14 @@
       </p:pic>
     </p:spTree>
   </p:cSld>
+  <p:clrMapOvr>
+    <a:masterClrMapping/>
+  </p:clrMapOvr>
 </p:sldLayout>
 </file>
 
 <file path=ppt/slideLayouts/slideLayout5.xml><?xml version="1.0" encoding="utf-8"?>
-<p:sldLayout xmlns:a="http://schemas.openxmlformats.org/drawingml/2006/main" xmlns:p="http://schemas.openxmlformats.org/presentationml/2006/main" xmlns:r="http://schemas.openxmlformats.org/officeDocument/2006/relationships" type="titleOnly" preserve="1">
+<p:sldLayout xmlns:a="http://schemas.openxmlformats.org/drawingml/2006/main" xmlns:r="http://schemas.openxmlformats.org/officeDocument/2006/relationships" xmlns:p="http://schemas.openxmlformats.org/presentationml/2006/main" type="titleOnly" preserve="1">
   <p:cSld name="Title Only">
     <p:spTree>
       <p:nvGrpSpPr>
@@ -4211,7 +4549,8 @@
           </a:prstGeom>
         </p:spPr>
         <p:txBody>
-          <a:bodyPr lIns="0" rIns="0" tIns="0" bIns="0" anchor="ctr"/>
+          <a:bodyPr lIns="0" tIns="0" rIns="0" bIns="0" anchor="ctr"/>
+          <a:lstStyle/>
           <a:p>
             <a:pPr algn="ctr"/>
             <a:endParaRPr/>
@@ -4220,11 +4559,14 @@
       </p:sp>
     </p:spTree>
   </p:cSld>
+  <p:clrMapOvr>
+    <a:masterClrMapping/>
+  </p:clrMapOvr>
 </p:sldLayout>
 </file>
 
 <file path=ppt/slideLayouts/slideLayout6.xml><?xml version="1.0" encoding="utf-8"?>
-<p:sldLayout xmlns:a="http://schemas.openxmlformats.org/drawingml/2006/main" xmlns:p="http://schemas.openxmlformats.org/presentationml/2006/main" xmlns:r="http://schemas.openxmlformats.org/officeDocument/2006/relationships" type="objOnly" preserve="1">
+<p:sldLayout xmlns:a="http://schemas.openxmlformats.org/drawingml/2006/main" xmlns:r="http://schemas.openxmlformats.org/officeDocument/2006/relationships" xmlns:p="http://schemas.openxmlformats.org/presentationml/2006/main" type="objOnly" preserve="1">
   <p:cSld name="Centered Text">
     <p:spTree>
       <p:nvGrpSpPr>
@@ -4260,7 +4602,8 @@
           </a:prstGeom>
         </p:spPr>
         <p:txBody>
-          <a:bodyPr lIns="0" rIns="0" tIns="0" bIns="0" anchor="ctr"/>
+          <a:bodyPr lIns="0" tIns="0" rIns="0" bIns="0" anchor="ctr"/>
+          <a:lstStyle/>
           <a:p>
             <a:pPr algn="ctr"/>
             <a:endParaRPr/>
@@ -4269,11 +4612,14 @@
       </p:sp>
     </p:spTree>
   </p:cSld>
+  <p:clrMapOvr>
+    <a:masterClrMapping/>
+  </p:clrMapOvr>
 </p:sldLayout>
 </file>
 
 <file path=ppt/slideLayouts/slideLayout7.xml><?xml version="1.0" encoding="utf-8"?>
-<p:sldLayout xmlns:a="http://schemas.openxmlformats.org/drawingml/2006/main" xmlns:p="http://schemas.openxmlformats.org/presentationml/2006/main" xmlns:r="http://schemas.openxmlformats.org/officeDocument/2006/relationships" type="twoObjAndObj" preserve="1">
+<p:sldLayout xmlns:a="http://schemas.openxmlformats.org/drawingml/2006/main" xmlns:r="http://schemas.openxmlformats.org/officeDocument/2006/relationships" xmlns:p="http://schemas.openxmlformats.org/presentationml/2006/main" type="twoObjAndObj" preserve="1">
   <p:cSld name="Title, 2 Content and Content">
     <p:spTree>
       <p:nvGrpSpPr>
@@ -4309,7 +4655,8 @@
           </a:prstGeom>
         </p:spPr>
         <p:txBody>
-          <a:bodyPr lIns="0" rIns="0" tIns="0" bIns="0" anchor="ctr"/>
+          <a:bodyPr lIns="0" tIns="0" rIns="0" bIns="0" anchor="ctr"/>
+          <a:lstStyle/>
           <a:p>
             <a:pPr algn="ctr"/>
             <a:endParaRPr/>
@@ -4336,7 +4683,8 @@
           </a:prstGeom>
         </p:spPr>
         <p:txBody>
-          <a:bodyPr lIns="0" rIns="0" tIns="0" bIns="0"/>
+          <a:bodyPr lIns="0" tIns="0" rIns="0" bIns="0"/>
+          <a:lstStyle/>
           <a:p>
             <a:endParaRPr/>
           </a:p>
@@ -4362,7 +4710,8 @@
           </a:prstGeom>
         </p:spPr>
         <p:txBody>
-          <a:bodyPr lIns="0" rIns="0" tIns="0" bIns="0"/>
+          <a:bodyPr lIns="0" tIns="0" rIns="0" bIns="0"/>
+          <a:lstStyle/>
           <a:p>
             <a:endParaRPr/>
           </a:p>
@@ -4388,7 +4737,8 @@
           </a:prstGeom>
         </p:spPr>
         <p:txBody>
-          <a:bodyPr lIns="0" rIns="0" tIns="0" bIns="0"/>
+          <a:bodyPr lIns="0" tIns="0" rIns="0" bIns="0"/>
+          <a:lstStyle/>
           <a:p>
             <a:endParaRPr/>
           </a:p>
@@ -4396,11 +4746,14 @@
       </p:sp>
     </p:spTree>
   </p:cSld>
+  <p:clrMapOvr>
+    <a:masterClrMapping/>
+  </p:clrMapOvr>
 </p:sldLayout>
 </file>
 
 <file path=ppt/slideLayouts/slideLayout8.xml><?xml version="1.0" encoding="utf-8"?>
-<p:sldLayout xmlns:a="http://schemas.openxmlformats.org/drawingml/2006/main" xmlns:p="http://schemas.openxmlformats.org/presentationml/2006/main" xmlns:r="http://schemas.openxmlformats.org/officeDocument/2006/relationships" type="objAndTwoObj" preserve="1">
+<p:sldLayout xmlns:a="http://schemas.openxmlformats.org/drawingml/2006/main" xmlns:r="http://schemas.openxmlformats.org/officeDocument/2006/relationships" xmlns:p="http://schemas.openxmlformats.org/presentationml/2006/main" type="objAndTwoObj" preserve="1">
   <p:cSld name="Title Content and 2 Content">
     <p:spTree>
       <p:nvGrpSpPr>
@@ -4436,7 +4789,8 @@
           </a:prstGeom>
         </p:spPr>
         <p:txBody>
-          <a:bodyPr lIns="0" rIns="0" tIns="0" bIns="0" anchor="ctr"/>
+          <a:bodyPr lIns="0" tIns="0" rIns="0" bIns="0" anchor="ctr"/>
+          <a:lstStyle/>
           <a:p>
             <a:pPr algn="ctr"/>
             <a:endParaRPr/>
@@ -4463,7 +4817,8 @@
           </a:prstGeom>
         </p:spPr>
         <p:txBody>
-          <a:bodyPr lIns="0" rIns="0" tIns="0" bIns="0"/>
+          <a:bodyPr lIns="0" tIns="0" rIns="0" bIns="0"/>
+          <a:lstStyle/>
           <a:p>
             <a:endParaRPr/>
           </a:p>
@@ -4489,7 +4844,8 @@
           </a:prstGeom>
         </p:spPr>
         <p:txBody>
-          <a:bodyPr lIns="0" rIns="0" tIns="0" bIns="0"/>
+          <a:bodyPr lIns="0" tIns="0" rIns="0" bIns="0"/>
+          <a:lstStyle/>
           <a:p>
             <a:endParaRPr/>
           </a:p>
@@ -4515,7 +4871,8 @@
           </a:prstGeom>
         </p:spPr>
         <p:txBody>
-          <a:bodyPr lIns="0" rIns="0" tIns="0" bIns="0"/>
+          <a:bodyPr lIns="0" tIns="0" rIns="0" bIns="0"/>
+          <a:lstStyle/>
           <a:p>
             <a:endParaRPr/>
           </a:p>
@@ -4523,11 +4880,14 @@
       </p:sp>
     </p:spTree>
   </p:cSld>
+  <p:clrMapOvr>
+    <a:masterClrMapping/>
+  </p:clrMapOvr>
 </p:sldLayout>
 </file>
 
 <file path=ppt/slideLayouts/slideLayout9.xml><?xml version="1.0" encoding="utf-8"?>
-<p:sldLayout xmlns:a="http://schemas.openxmlformats.org/drawingml/2006/main" xmlns:p="http://schemas.openxmlformats.org/presentationml/2006/main" xmlns:r="http://schemas.openxmlformats.org/officeDocument/2006/relationships" type="twoObjOverTx" preserve="1">
+<p:sldLayout xmlns:a="http://schemas.openxmlformats.org/drawingml/2006/main" xmlns:r="http://schemas.openxmlformats.org/officeDocument/2006/relationships" xmlns:p="http://schemas.openxmlformats.org/presentationml/2006/main" type="twoObjOverTx" preserve="1">
   <p:cSld name="Title, 2 Content over Content">
     <p:spTree>
       <p:nvGrpSpPr>
@@ -4563,7 +4923,8 @@
           </a:prstGeom>
         </p:spPr>
         <p:txBody>
-          <a:bodyPr lIns="0" rIns="0" tIns="0" bIns="0" anchor="ctr"/>
+          <a:bodyPr lIns="0" tIns="0" rIns="0" bIns="0" anchor="ctr"/>
+          <a:lstStyle/>
           <a:p>
             <a:pPr algn="ctr"/>
             <a:endParaRPr/>
@@ -4590,7 +4951,8 @@
           </a:prstGeom>
         </p:spPr>
         <p:txBody>
-          <a:bodyPr lIns="0" rIns="0" tIns="0" bIns="0"/>
+          <a:bodyPr lIns="0" tIns="0" rIns="0" bIns="0"/>
+          <a:lstStyle/>
           <a:p>
             <a:endParaRPr/>
           </a:p>
@@ -4616,7 +4978,8 @@
           </a:prstGeom>
         </p:spPr>
         <p:txBody>
-          <a:bodyPr lIns="0" rIns="0" tIns="0" bIns="0"/>
+          <a:bodyPr lIns="0" tIns="0" rIns="0" bIns="0"/>
+          <a:lstStyle/>
           <a:p>
             <a:endParaRPr/>
           </a:p>
@@ -4642,7 +5005,8 @@
           </a:prstGeom>
         </p:spPr>
         <p:txBody>
-          <a:bodyPr lIns="0" rIns="0" tIns="0" bIns="0"/>
+          <a:bodyPr lIns="0" tIns="0" rIns="0" bIns="0"/>
+          <a:lstStyle/>
           <a:p>
             <a:endParaRPr/>
           </a:p>
@@ -4650,12 +5014,20 @@
       </p:sp>
     </p:spTree>
   </p:cSld>
+  <p:clrMapOvr>
+    <a:masterClrMapping/>
+  </p:clrMapOvr>
 </p:sldLayout>
 </file>
 
 <file path=ppt/slideMasters/slideMaster1.xml><?xml version="1.0" encoding="utf-8"?>
-<p:sldMaster xmlns:a="http://schemas.openxmlformats.org/drawingml/2006/main" xmlns:p="http://schemas.openxmlformats.org/presentationml/2006/main" xmlns:r="http://schemas.openxmlformats.org/officeDocument/2006/relationships">
+<p:sldMaster xmlns:a="http://schemas.openxmlformats.org/drawingml/2006/main" xmlns:r="http://schemas.openxmlformats.org/officeDocument/2006/relationships" xmlns:p="http://schemas.openxmlformats.org/presentationml/2006/main">
   <p:cSld>
+    <p:bg>
+      <p:bgRef idx="1001">
+        <a:schemeClr val="bg1"/>
+      </p:bgRef>
+    </p:bg>
     <p:spTree>
       <p:nvGrpSpPr>
         <p:cNvPr id="1" name=""/>
@@ -4672,12 +5044,12 @@
       </p:grpSpPr>
       <p:pic>
         <p:nvPicPr>
-          <p:cNvPr id="0" name="" descr=""/>
+          <p:cNvPr id="3" name="2 Imagen"/>
           <p:cNvPicPr/>
           <p:nvPr/>
         </p:nvPicPr>
         <p:blipFill>
-          <a:blip r:embed="rId2"/>
+          <a:blip r:embed="rId14"/>
           <a:stretch>
             <a:fillRect/>
           </a:stretch>
@@ -4697,7 +5069,7 @@
       </p:pic>
       <p:sp>
         <p:nvSpPr>
-          <p:cNvPr id="1" name="PlaceHolder 1"/>
+          <p:cNvPr id="4" name="PlaceHolder 1"/>
           <p:cNvSpPr>
             <a:spLocks noGrp="1"/>
           </p:cNvSpPr>
@@ -4715,7 +5087,8 @@
           </a:prstGeom>
         </p:spPr>
         <p:txBody>
-          <a:bodyPr lIns="0" rIns="0" tIns="0" bIns="0" anchor="ctr"/>
+          <a:bodyPr lIns="0" tIns="0" rIns="0" bIns="0" anchor="ctr"/>
+          <a:lstStyle/>
           <a:p>
             <a:r>
               <a:rPr lang="es-EC">
@@ -4747,7 +5120,8 @@
           </a:prstGeom>
         </p:spPr>
         <p:txBody>
-          <a:bodyPr lIns="0" rIns="0" tIns="0" bIns="0"/>
+          <a:bodyPr lIns="0" tIns="0" rIns="0" bIns="0"/>
+          <a:lstStyle/>
           <a:p>
             <a:pPr>
               <a:buSzPct val="45000"/>
@@ -4850,27 +5224,37 @@
       </p:sp>
     </p:spTree>
   </p:cSld>
-  <p:clrMap bg1="lt1" bg2="lt2" tx1="dk1" tx2="dk2" accent1="accent1" accent2="accent2" accent3="accent3" accent4="accent4" accent5="accent5" accent6="accent6" hlink="hlink" folHlink="folHlink"/>
+  <p:clrMap bg1="lt1" tx1="dk1" bg2="lt2" tx2="dk2" accent1="accent1" accent2="accent2" accent3="accent3" accent4="accent4" accent5="accent5" accent6="accent6" hlink="hlink" folHlink="folHlink"/>
   <p:sldLayoutIdLst>
-    <p:sldLayoutId id="2147483649" r:id="rId3"/>
-    <p:sldLayoutId id="2147483650" r:id="rId4"/>
-    <p:sldLayoutId id="2147483651" r:id="rId5"/>
-    <p:sldLayoutId id="2147483652" r:id="rId6"/>
-    <p:sldLayoutId id="2147483653" r:id="rId7"/>
-    <p:sldLayoutId id="2147483654" r:id="rId8"/>
-    <p:sldLayoutId id="2147483655" r:id="rId9"/>
-    <p:sldLayoutId id="2147483656" r:id="rId10"/>
-    <p:sldLayoutId id="2147483657" r:id="rId11"/>
-    <p:sldLayoutId id="2147483658" r:id="rId12"/>
-    <p:sldLayoutId id="2147483659" r:id="rId13"/>
-    <p:sldLayoutId id="2147483660" r:id="rId14"/>
+    <p:sldLayoutId id="2147483649" r:id="rId1"/>
+    <p:sldLayoutId id="2147483650" r:id="rId2"/>
+    <p:sldLayoutId id="2147483651" r:id="rId3"/>
+    <p:sldLayoutId id="2147483652" r:id="rId4"/>
+    <p:sldLayoutId id="2147483653" r:id="rId5"/>
+    <p:sldLayoutId id="2147483654" r:id="rId6"/>
+    <p:sldLayoutId id="2147483655" r:id="rId7"/>
+    <p:sldLayoutId id="2147483656" r:id="rId8"/>
+    <p:sldLayoutId id="2147483657" r:id="rId9"/>
+    <p:sldLayoutId id="2147483658" r:id="rId10"/>
+    <p:sldLayoutId id="2147483659" r:id="rId11"/>
+    <p:sldLayoutId id="2147483660" r:id="rId12"/>
   </p:sldLayoutIdLst>
+  <p:txStyles>
+    <p:titleStyle/>
+    <p:bodyStyle/>
+    <p:otherStyle/>
+  </p:txStyles>
 </p:sldMaster>
 </file>
 
 <file path=ppt/slideMasters/slideMaster2.xml><?xml version="1.0" encoding="utf-8"?>
-<p:sldMaster xmlns:a="http://schemas.openxmlformats.org/drawingml/2006/main" xmlns:p="http://schemas.openxmlformats.org/presentationml/2006/main" xmlns:r="http://schemas.openxmlformats.org/officeDocument/2006/relationships">
+<p:sldMaster xmlns:a="http://schemas.openxmlformats.org/drawingml/2006/main" xmlns:r="http://schemas.openxmlformats.org/officeDocument/2006/relationships" xmlns:p="http://schemas.openxmlformats.org/presentationml/2006/main">
   <p:cSld>
+    <p:bg>
+      <p:bgRef idx="1001">
+        <a:schemeClr val="bg1"/>
+      </p:bgRef>
+    </p:bg>
     <p:spTree>
       <p:nvGrpSpPr>
         <p:cNvPr id="1" name=""/>
@@ -4887,12 +5271,12 @@
       </p:grpSpPr>
       <p:pic>
         <p:nvPicPr>
-          <p:cNvPr id="37" name="" descr=""/>
+          <p:cNvPr id="37" name="36 Imagen"/>
           <p:cNvPicPr/>
           <p:nvPr/>
         </p:nvPicPr>
         <p:blipFill>
-          <a:blip r:embed="rId2"/>
+          <a:blip r:embed="rId14"/>
           <a:stretch>
             <a:fillRect/>
           </a:stretch>
@@ -4930,7 +5314,8 @@
           </a:prstGeom>
         </p:spPr>
         <p:txBody>
-          <a:bodyPr lIns="0" rIns="0" tIns="0" bIns="0" anchor="ctr"/>
+          <a:bodyPr lIns="0" tIns="0" rIns="0" bIns="0" anchor="ctr"/>
+          <a:lstStyle/>
           <a:p>
             <a:r>
               <a:rPr lang="es-EC">
@@ -4962,7 +5347,8 @@
           </a:prstGeom>
         </p:spPr>
         <p:txBody>
-          <a:bodyPr lIns="0" rIns="0" tIns="0" bIns="0"/>
+          <a:bodyPr lIns="0" tIns="0" rIns="0" bIns="0"/>
+          <a:lstStyle/>
           <a:p>
             <a:pPr>
               <a:buSzPct val="45000"/>
@@ -5065,27 +5451,37 @@
       </p:sp>
     </p:spTree>
   </p:cSld>
-  <p:clrMap bg1="lt1" bg2="lt2" tx1="dk1" tx2="dk2" accent1="accent1" accent2="accent2" accent3="accent3" accent4="accent4" accent5="accent5" accent6="accent6" hlink="hlink" folHlink="folHlink"/>
+  <p:clrMap bg1="lt1" tx1="dk1" bg2="lt2" tx2="dk2" accent1="accent1" accent2="accent2" accent3="accent3" accent4="accent4" accent5="accent5" accent6="accent6" hlink="hlink" folHlink="folHlink"/>
   <p:sldLayoutIdLst>
-    <p:sldLayoutId id="2147483662" r:id="rId3"/>
-    <p:sldLayoutId id="2147483663" r:id="rId4"/>
-    <p:sldLayoutId id="2147483664" r:id="rId5"/>
-    <p:sldLayoutId id="2147483665" r:id="rId6"/>
-    <p:sldLayoutId id="2147483666" r:id="rId7"/>
-    <p:sldLayoutId id="2147483667" r:id="rId8"/>
-    <p:sldLayoutId id="2147483668" r:id="rId9"/>
-    <p:sldLayoutId id="2147483669" r:id="rId10"/>
-    <p:sldLayoutId id="2147483670" r:id="rId11"/>
-    <p:sldLayoutId id="2147483671" r:id="rId12"/>
-    <p:sldLayoutId id="2147483672" r:id="rId13"/>
-    <p:sldLayoutId id="2147483673" r:id="rId14"/>
+    <p:sldLayoutId id="2147483662" r:id="rId1"/>
+    <p:sldLayoutId id="2147483663" r:id="rId2"/>
+    <p:sldLayoutId id="2147483664" r:id="rId3"/>
+    <p:sldLayoutId id="2147483665" r:id="rId4"/>
+    <p:sldLayoutId id="2147483666" r:id="rId5"/>
+    <p:sldLayoutId id="2147483667" r:id="rId6"/>
+    <p:sldLayoutId id="2147483668" r:id="rId7"/>
+    <p:sldLayoutId id="2147483669" r:id="rId8"/>
+    <p:sldLayoutId id="2147483670" r:id="rId9"/>
+    <p:sldLayoutId id="2147483671" r:id="rId10"/>
+    <p:sldLayoutId id="2147483672" r:id="rId11"/>
+    <p:sldLayoutId id="2147483673" r:id="rId12"/>
   </p:sldLayoutIdLst>
+  <p:txStyles>
+    <p:titleStyle/>
+    <p:bodyStyle/>
+    <p:otherStyle/>
+  </p:txStyles>
 </p:sldMaster>
 </file>
 
 <file path=ppt/slideMasters/slideMaster3.xml><?xml version="1.0" encoding="utf-8"?>
-<p:sldMaster xmlns:a="http://schemas.openxmlformats.org/drawingml/2006/main" xmlns:p="http://schemas.openxmlformats.org/presentationml/2006/main" xmlns:r="http://schemas.openxmlformats.org/officeDocument/2006/relationships">
+<p:sldMaster xmlns:a="http://schemas.openxmlformats.org/drawingml/2006/main" xmlns:r="http://schemas.openxmlformats.org/officeDocument/2006/relationships" xmlns:p="http://schemas.openxmlformats.org/presentationml/2006/main">
   <p:cSld>
+    <p:bg>
+      <p:bgRef idx="1001">
+        <a:schemeClr val="bg1"/>
+      </p:bgRef>
+    </p:bg>
     <p:spTree>
       <p:nvGrpSpPr>
         <p:cNvPr id="1" name=""/>
@@ -5102,12 +5498,12 @@
       </p:grpSpPr>
       <p:pic>
         <p:nvPicPr>
-          <p:cNvPr id="74" name="" descr=""/>
+          <p:cNvPr id="74" name="73 Imagen"/>
           <p:cNvPicPr/>
           <p:nvPr/>
         </p:nvPicPr>
         <p:blipFill>
-          <a:blip r:embed="rId2"/>
+          <a:blip r:embed="rId14"/>
           <a:stretch>
             <a:fillRect/>
           </a:stretch>
@@ -5145,7 +5541,8 @@
           </a:prstGeom>
         </p:spPr>
         <p:txBody>
-          <a:bodyPr lIns="0" rIns="0" tIns="0" bIns="0" anchor="ctr"/>
+          <a:bodyPr lIns="0" tIns="0" rIns="0" bIns="0" anchor="ctr"/>
+          <a:lstStyle/>
           <a:p>
             <a:r>
               <a:rPr lang="es-EC">
@@ -5177,7 +5574,8 @@
           </a:prstGeom>
         </p:spPr>
         <p:txBody>
-          <a:bodyPr lIns="0" rIns="0" tIns="0" bIns="0"/>
+          <a:bodyPr lIns="0" tIns="0" rIns="0" bIns="0"/>
+          <a:lstStyle/>
           <a:p>
             <a:pPr>
               <a:buSzPct val="45000"/>
@@ -5280,27 +5678,37 @@
       </p:sp>
     </p:spTree>
   </p:cSld>
-  <p:clrMap bg1="lt1" bg2="lt2" tx1="dk1" tx2="dk2" accent1="accent1" accent2="accent2" accent3="accent3" accent4="accent4" accent5="accent5" accent6="accent6" hlink="hlink" folHlink="folHlink"/>
+  <p:clrMap bg1="lt1" tx1="dk1" bg2="lt2" tx2="dk2" accent1="accent1" accent2="accent2" accent3="accent3" accent4="accent4" accent5="accent5" accent6="accent6" hlink="hlink" folHlink="folHlink"/>
   <p:sldLayoutIdLst>
-    <p:sldLayoutId id="2147483675" r:id="rId3"/>
-    <p:sldLayoutId id="2147483676" r:id="rId4"/>
-    <p:sldLayoutId id="2147483677" r:id="rId5"/>
-    <p:sldLayoutId id="2147483678" r:id="rId6"/>
-    <p:sldLayoutId id="2147483679" r:id="rId7"/>
-    <p:sldLayoutId id="2147483680" r:id="rId8"/>
-    <p:sldLayoutId id="2147483681" r:id="rId9"/>
-    <p:sldLayoutId id="2147483682" r:id="rId10"/>
-    <p:sldLayoutId id="2147483683" r:id="rId11"/>
-    <p:sldLayoutId id="2147483684" r:id="rId12"/>
-    <p:sldLayoutId id="2147483685" r:id="rId13"/>
-    <p:sldLayoutId id="2147483686" r:id="rId14"/>
+    <p:sldLayoutId id="2147483675" r:id="rId1"/>
+    <p:sldLayoutId id="2147483676" r:id="rId2"/>
+    <p:sldLayoutId id="2147483677" r:id="rId3"/>
+    <p:sldLayoutId id="2147483678" r:id="rId4"/>
+    <p:sldLayoutId id="2147483679" r:id="rId5"/>
+    <p:sldLayoutId id="2147483680" r:id="rId6"/>
+    <p:sldLayoutId id="2147483681" r:id="rId7"/>
+    <p:sldLayoutId id="2147483682" r:id="rId8"/>
+    <p:sldLayoutId id="2147483683" r:id="rId9"/>
+    <p:sldLayoutId id="2147483684" r:id="rId10"/>
+    <p:sldLayoutId id="2147483685" r:id="rId11"/>
+    <p:sldLayoutId id="2147483686" r:id="rId12"/>
   </p:sldLayoutIdLst>
+  <p:txStyles>
+    <p:titleStyle/>
+    <p:bodyStyle/>
+    <p:otherStyle/>
+  </p:txStyles>
 </p:sldMaster>
 </file>
 
 <file path=ppt/slideMasters/slideMaster4.xml><?xml version="1.0" encoding="utf-8"?>
-<p:sldMaster xmlns:a="http://schemas.openxmlformats.org/drawingml/2006/main" xmlns:p="http://schemas.openxmlformats.org/presentationml/2006/main" xmlns:r="http://schemas.openxmlformats.org/officeDocument/2006/relationships">
+<p:sldMaster xmlns:a="http://schemas.openxmlformats.org/drawingml/2006/main" xmlns:r="http://schemas.openxmlformats.org/officeDocument/2006/relationships" xmlns:p="http://schemas.openxmlformats.org/presentationml/2006/main">
   <p:cSld>
+    <p:bg>
+      <p:bgRef idx="1001">
+        <a:schemeClr val="bg1"/>
+      </p:bgRef>
+    </p:bg>
     <p:spTree>
       <p:nvGrpSpPr>
         <p:cNvPr id="1" name=""/>
@@ -5317,12 +5725,12 @@
       </p:grpSpPr>
       <p:pic>
         <p:nvPicPr>
-          <p:cNvPr id="111" name="" descr=""/>
+          <p:cNvPr id="111" name="110 Imagen"/>
           <p:cNvPicPr/>
           <p:nvPr/>
         </p:nvPicPr>
         <p:blipFill>
-          <a:blip r:embed="rId2"/>
+          <a:blip r:embed="rId14"/>
           <a:stretch>
             <a:fillRect/>
           </a:stretch>
@@ -5360,7 +5768,8 @@
           </a:prstGeom>
         </p:spPr>
         <p:txBody>
-          <a:bodyPr lIns="0" rIns="0" tIns="0" bIns="0" anchor="ctr"/>
+          <a:bodyPr lIns="0" tIns="0" rIns="0" bIns="0" anchor="ctr"/>
+          <a:lstStyle/>
           <a:p>
             <a:pPr algn="ctr"/>
             <a:r>
@@ -5393,7 +5802,8 @@
           </a:prstGeom>
         </p:spPr>
         <p:txBody>
-          <a:bodyPr lIns="0" rIns="0" tIns="0" bIns="0"/>
+          <a:bodyPr lIns="0" tIns="0" rIns="0" bIns="0"/>
+          <a:lstStyle/>
           <a:p>
             <a:pPr>
               <a:buSzPct val="45000"/>
@@ -5496,26 +5906,31 @@
       </p:sp>
     </p:spTree>
   </p:cSld>
-  <p:clrMap bg1="lt1" bg2="lt2" tx1="dk1" tx2="dk2" accent1="accent1" accent2="accent2" accent3="accent3" accent4="accent4" accent5="accent5" accent6="accent6" hlink="hlink" folHlink="folHlink"/>
+  <p:clrMap bg1="lt1" tx1="dk1" bg2="lt2" tx2="dk2" accent1="accent1" accent2="accent2" accent3="accent3" accent4="accent4" accent5="accent5" accent6="accent6" hlink="hlink" folHlink="folHlink"/>
   <p:sldLayoutIdLst>
-    <p:sldLayoutId id="2147483688" r:id="rId3"/>
-    <p:sldLayoutId id="2147483689" r:id="rId4"/>
-    <p:sldLayoutId id="2147483690" r:id="rId5"/>
-    <p:sldLayoutId id="2147483691" r:id="rId6"/>
-    <p:sldLayoutId id="2147483692" r:id="rId7"/>
-    <p:sldLayoutId id="2147483693" r:id="rId8"/>
-    <p:sldLayoutId id="2147483694" r:id="rId9"/>
-    <p:sldLayoutId id="2147483695" r:id="rId10"/>
-    <p:sldLayoutId id="2147483696" r:id="rId11"/>
-    <p:sldLayoutId id="2147483697" r:id="rId12"/>
-    <p:sldLayoutId id="2147483698" r:id="rId13"/>
-    <p:sldLayoutId id="2147483699" r:id="rId14"/>
+    <p:sldLayoutId id="2147483688" r:id="rId1"/>
+    <p:sldLayoutId id="2147483689" r:id="rId2"/>
+    <p:sldLayoutId id="2147483690" r:id="rId3"/>
+    <p:sldLayoutId id="2147483691" r:id="rId4"/>
+    <p:sldLayoutId id="2147483692" r:id="rId5"/>
+    <p:sldLayoutId id="2147483693" r:id="rId6"/>
+    <p:sldLayoutId id="2147483694" r:id="rId7"/>
+    <p:sldLayoutId id="2147483695" r:id="rId8"/>
+    <p:sldLayoutId id="2147483696" r:id="rId9"/>
+    <p:sldLayoutId id="2147483697" r:id="rId10"/>
+    <p:sldLayoutId id="2147483698" r:id="rId11"/>
+    <p:sldLayoutId id="2147483699" r:id="rId12"/>
   </p:sldLayoutIdLst>
+  <p:txStyles>
+    <p:titleStyle/>
+    <p:bodyStyle/>
+    <p:otherStyle/>
+  </p:txStyles>
 </p:sldMaster>
 </file>
 
 <file path=ppt/slides/slide1.xml><?xml version="1.0" encoding="utf-8"?>
-<p:sld xmlns:a="http://schemas.openxmlformats.org/drawingml/2006/main" xmlns:p="http://schemas.openxmlformats.org/presentationml/2006/main" xmlns:r="http://schemas.openxmlformats.org/officeDocument/2006/relationships">
+<p:sld xmlns:a="http://schemas.openxmlformats.org/drawingml/2006/main" xmlns:r="http://schemas.openxmlformats.org/officeDocument/2006/relationships" xmlns:p="http://schemas.openxmlformats.org/presentationml/2006/main">
   <p:cSld>
     <p:spTree>
       <p:nvGrpSpPr>
@@ -5551,7 +5966,8 @@
           </a:ln>
         </p:spPr>
         <p:txBody>
-          <a:bodyPr lIns="0" rIns="0" tIns="0" bIns="0" anchor="ctr"/>
+          <a:bodyPr lIns="0" tIns="0" rIns="0" bIns="0" anchor="ctr"/>
+          <a:lstStyle/>
           <a:p>
             <a:pPr algn="ctr">
               <a:lnSpc>
@@ -5570,6 +5986,9 @@
       </p:sp>
     </p:spTree>
   </p:cSld>
+  <p:clrMapOvr>
+    <a:masterClrMapping/>
+  </p:clrMapOvr>
   <p:timing>
     <p:tnLst>
       <p:par>
@@ -5578,14 +5997,14 @@
             <p:seq>
               <p:cTn id="2" nodeType="mainSeq"/>
               <p:prevCondLst>
-                <p:cond delay="0" evt="onPrev">
+                <p:cond evt="onPrev" delay="0">
                   <p:tgtEl>
                     <p:sldTgt/>
                   </p:tgtEl>
                 </p:cond>
               </p:prevCondLst>
               <p:nextCondLst>
-                <p:cond delay="0" evt="onNext">
+                <p:cond evt="onNext" delay="0">
                   <p:tgtEl>
                     <p:sldTgt/>
                   </p:tgtEl>
@@ -5601,7 +6020,7 @@
 </file>
 
 <file path=ppt/slides/slide2.xml><?xml version="1.0" encoding="utf-8"?>
-<p:sld xmlns:a="http://schemas.openxmlformats.org/drawingml/2006/main" xmlns:p="http://schemas.openxmlformats.org/presentationml/2006/main" xmlns:r="http://schemas.openxmlformats.org/officeDocument/2006/relationships">
+<p:sld xmlns:a="http://schemas.openxmlformats.org/drawingml/2006/main" xmlns:r="http://schemas.openxmlformats.org/officeDocument/2006/relationships" xmlns:p="http://schemas.openxmlformats.org/presentationml/2006/main">
   <p:cSld>
     <p:spTree>
       <p:nvGrpSpPr>
@@ -5637,7 +6056,8 @@
           </a:ln>
         </p:spPr>
         <p:txBody>
-          <a:bodyPr lIns="0" rIns="0" tIns="0" bIns="0" anchor="ctr"/>
+          <a:bodyPr lIns="0" tIns="0" rIns="0" bIns="0" anchor="ctr"/>
+          <a:lstStyle/>
           <a:p>
             <a:pPr algn="ctr">
               <a:lnSpc>
@@ -5674,7 +6094,8 @@
           </a:ln>
         </p:spPr>
         <p:txBody>
-          <a:bodyPr lIns="0" rIns="0" tIns="0" bIns="0"/>
+          <a:bodyPr lIns="0" tIns="0" rIns="0" bIns="0"/>
+          <a:lstStyle/>
           <a:p>
             <a:pPr>
               <a:lnSpc>
@@ -5721,7 +6142,8 @@
           </a:ln>
         </p:spPr>
         <p:txBody>
-          <a:bodyPr lIns="90000" rIns="90000" tIns="45000" bIns="45000"/>
+          <a:bodyPr lIns="90000" tIns="45000" rIns="90000" bIns="45000"/>
+          <a:lstStyle/>
           <a:p>
             <a:pPr>
               <a:lnSpc>
@@ -5761,7 +6183,8 @@
           </a:ln>
         </p:spPr>
         <p:txBody>
-          <a:bodyPr lIns="90000" rIns="90000" tIns="45000" bIns="45000"/>
+          <a:bodyPr lIns="90000" tIns="45000" rIns="90000" bIns="45000"/>
+          <a:lstStyle/>
           <a:p>
             <a:r>
               <a:rPr lang="es-EC" sz="2400">
@@ -5790,12 +6213,12 @@
       </p:sp>
       <p:pic>
         <p:nvPicPr>
-          <p:cNvPr id="153" name="" descr=""/>
+          <p:cNvPr id="153" name="152 Imagen"/>
           <p:cNvPicPr/>
           <p:nvPr/>
         </p:nvPicPr>
         <p:blipFill>
-          <a:blip r:embed="rId1"/>
+          <a:blip r:embed="rId2"/>
           <a:stretch>
             <a:fillRect/>
           </a:stretch>
@@ -5815,22 +6238,25 @@
       </p:pic>
     </p:spTree>
   </p:cSld>
+  <p:clrMapOvr>
+    <a:masterClrMapping/>
+  </p:clrMapOvr>
   <p:timing>
     <p:tnLst>
       <p:par>
-        <p:cTn id="3" dur="indefinite" restart="never" nodeType="tmRoot">
+        <p:cTn id="1" dur="indefinite" restart="never" nodeType="tmRoot">
           <p:childTnLst>
             <p:seq>
-              <p:cTn id="4" nodeType="mainSeq"/>
+              <p:cTn id="2" nodeType="mainSeq"/>
               <p:prevCondLst>
-                <p:cond delay="0" evt="onPrev">
+                <p:cond evt="onPrev" delay="0">
                   <p:tgtEl>
                     <p:sldTgt/>
                   </p:tgtEl>
                 </p:cond>
               </p:prevCondLst>
               <p:nextCondLst>
-                <p:cond delay="0" evt="onNext">
+                <p:cond evt="onNext" delay="0">
                   <p:tgtEl>
                     <p:sldTgt/>
                   </p:tgtEl>
@@ -5846,7 +6272,7 @@
 </file>
 
 <file path=ppt/slides/slide3.xml><?xml version="1.0" encoding="utf-8"?>
-<p:sld xmlns:a="http://schemas.openxmlformats.org/drawingml/2006/main" xmlns:p="http://schemas.openxmlformats.org/presentationml/2006/main" xmlns:r="http://schemas.openxmlformats.org/officeDocument/2006/relationships">
+<p:sld xmlns:a="http://schemas.openxmlformats.org/drawingml/2006/main" xmlns:r="http://schemas.openxmlformats.org/officeDocument/2006/relationships" xmlns:p="http://schemas.openxmlformats.org/presentationml/2006/main">
   <p:cSld>
     <p:spTree>
       <p:nvGrpSpPr>
@@ -5882,7 +6308,8 @@
           </a:ln>
         </p:spPr>
         <p:txBody>
-          <a:bodyPr lIns="0" rIns="0" tIns="0" bIns="0" anchor="ctr"/>
+          <a:bodyPr lIns="0" tIns="0" rIns="0" bIns="0" anchor="ctr"/>
+          <a:lstStyle/>
           <a:p>
             <a:pPr algn="ctr">
               <a:lnSpc>
@@ -5901,12 +6328,12 @@
       </p:sp>
       <p:pic>
         <p:nvPicPr>
-          <p:cNvPr id="155" name="" descr=""/>
+          <p:cNvPr id="155" name="154 Imagen"/>
           <p:cNvPicPr/>
           <p:nvPr/>
         </p:nvPicPr>
         <p:blipFill>
-          <a:blip r:embed="rId1"/>
+          <a:blip r:embed="rId2"/>
           <a:stretch>
             <a:fillRect/>
           </a:stretch>
@@ -5944,94 +6371,110 @@
           </a:ln>
         </p:spPr>
         <p:txBody>
-          <a:bodyPr lIns="90000" rIns="90000" tIns="45000" bIns="45000"/>
-          <a:p>
-            <a:pPr>
+          <a:bodyPr lIns="90000" tIns="45000" rIns="90000" bIns="45000"/>
+          <a:lstStyle/>
+          <a:p>
+            <a:pPr marL="342900" indent="-342900">
               <a:lnSpc>
                 <a:spcPct val="100000"/>
               </a:lnSpc>
-              <a:buSzPct val="45000"/>
-              <a:buFont typeface="StarSymbol"/>
-              <a:buChar char="l"/>
+              <a:buSzPct val="101000"/>
+              <a:buFont typeface="Wingdings" pitchFamily="2" charset="2"/>
+              <a:buChar char="Ø"/>
             </a:pPr>
             <a:r>
-              <a:rPr lang="es-EC" sz="2400">
+              <a:rPr lang="es-EC" sz="2400" dirty="0">
                 <a:latin typeface="Colibri"/>
               </a:rPr>
               <a:t>Es un canal formal de actuación del personal, en relación con los recursos y servicios informáticos de la organización.</a:t>
             </a:r>
-            <a:endParaRPr/>
-          </a:p>
-          <a:p>
-            <a:pPr>
+            <a:endParaRPr dirty="0"/>
+          </a:p>
+          <a:p>
+            <a:pPr marL="342900" indent="-342900">
               <a:lnSpc>
                 <a:spcPct val="100000"/>
               </a:lnSpc>
-              <a:buSzPct val="45000"/>
-              <a:buFont typeface="StarSymbol"/>
-              <a:buChar char="l"/>
+              <a:buSzPct val="101000"/>
+              <a:buFont typeface="Wingdings" pitchFamily="2" charset="2"/>
+              <a:buChar char="Ø"/>
             </a:pPr>
             <a:r>
-              <a:rPr lang="es-EC" sz="2400">
+              <a:rPr lang="es-EC" sz="2400" dirty="0" smtClean="0">
                 <a:latin typeface="Colibri"/>
               </a:rPr>
-              <a:t>Cada política de seguridad es una invitación a cada uno de sus miembros a reconocer la información como uno de sus principales activos así como, un motor de intercambio y desarrollo en el ámbito de sus negocios.</a:t>
+              <a:t>Cada </a:t>
             </a:r>
-            <a:endParaRPr/>
-          </a:p>
-          <a:p>
-            <a:pPr>
+            <a:r>
+              <a:rPr lang="es-EC" sz="2400" dirty="0">
+                <a:latin typeface="Colibri"/>
+              </a:rPr>
+              <a:t>política de seguridad es una invitación a cada uno de sus miembros a reconocer la información como uno de sus principales activos así como, un motor de intercambio y desarrollo en el ámbito de sus negocios.</a:t>
+            </a:r>
+            <a:endParaRPr dirty="0"/>
+          </a:p>
+          <a:p>
+            <a:pPr marL="342900" indent="-342900">
               <a:lnSpc>
                 <a:spcPct val="100000"/>
               </a:lnSpc>
-              <a:buSzPct val="45000"/>
-              <a:buFont typeface="StarSymbol"/>
-              <a:buChar char="l"/>
+              <a:buSzPct val="101000"/>
+              <a:buFont typeface="Wingdings" pitchFamily="2" charset="2"/>
+              <a:buChar char="Ø"/>
             </a:pPr>
             <a:r>
-              <a:rPr lang="es-EC" sz="2400">
+              <a:rPr lang="es-EC" sz="2400" dirty="0">
                 <a:latin typeface="Colibri"/>
               </a:rPr>
               <a:t>Las políticas de seguridad deben concluir en una posición consciente y vigilante del personal por el uso y limitaciones de los recursos y servicios informáticos.</a:t>
             </a:r>
-            <a:endParaRPr/>
-          </a:p>
-          <a:p>
-            <a:pPr>
+            <a:endParaRPr dirty="0"/>
+          </a:p>
+          <a:p>
+            <a:pPr marL="285750" indent="-285750">
               <a:lnSpc>
                 <a:spcPct val="100000"/>
               </a:lnSpc>
+              <a:buSzPct val="101000"/>
+              <a:buFont typeface="Wingdings" pitchFamily="2" charset="2"/>
+              <a:buChar char="Ø"/>
             </a:pPr>
-            <a:endParaRPr/>
-          </a:p>
-          <a:p>
-            <a:pPr>
+            <a:endParaRPr dirty="0"/>
+          </a:p>
+          <a:p>
+            <a:pPr marL="285750" indent="-285750">
               <a:lnSpc>
                 <a:spcPct val="100000"/>
               </a:lnSpc>
+              <a:buSzPct val="101000"/>
+              <a:buFont typeface="Wingdings" pitchFamily="2" charset="2"/>
+              <a:buChar char="Ø"/>
             </a:pPr>
-            <a:endParaRPr/>
+            <a:endParaRPr dirty="0"/>
           </a:p>
         </p:txBody>
       </p:sp>
     </p:spTree>
   </p:cSld>
+  <p:clrMapOvr>
+    <a:masterClrMapping/>
+  </p:clrMapOvr>
   <p:timing>
     <p:tnLst>
       <p:par>
-        <p:cTn id="5" dur="indefinite" restart="never" nodeType="tmRoot">
+        <p:cTn id="1" dur="indefinite" restart="never" nodeType="tmRoot">
           <p:childTnLst>
             <p:seq>
-              <p:cTn id="6" nodeType="mainSeq"/>
+              <p:cTn id="2" nodeType="mainSeq"/>
               <p:prevCondLst>
-                <p:cond delay="0" evt="onPrev">
+                <p:cond evt="onPrev" delay="0">
                   <p:tgtEl>
                     <p:sldTgt/>
                   </p:tgtEl>
                 </p:cond>
               </p:prevCondLst>
               <p:nextCondLst>
-                <p:cond delay="0" evt="onNext">
+                <p:cond evt="onNext" delay="0">
                   <p:tgtEl>
                     <p:sldTgt/>
                   </p:tgtEl>
@@ -6047,7 +6490,7 @@
 </file>
 
 <file path=ppt/slides/slide4.xml><?xml version="1.0" encoding="utf-8"?>
-<p:sld xmlns:a="http://schemas.openxmlformats.org/drawingml/2006/main" xmlns:p="http://schemas.openxmlformats.org/presentationml/2006/main" xmlns:r="http://schemas.openxmlformats.org/officeDocument/2006/relationships">
+<p:sld xmlns:a="http://schemas.openxmlformats.org/drawingml/2006/main" xmlns:r="http://schemas.openxmlformats.org/officeDocument/2006/relationships" xmlns:p="http://schemas.openxmlformats.org/presentationml/2006/main">
   <p:cSld>
     <p:spTree>
       <p:nvGrpSpPr>
@@ -6083,7 +6526,8 @@
           </a:ln>
         </p:spPr>
         <p:txBody>
-          <a:bodyPr lIns="0" rIns="0" tIns="0" bIns="0" anchor="ctr"/>
+          <a:bodyPr lIns="0" tIns="0" rIns="0" bIns="0" anchor="ctr"/>
+          <a:lstStyle/>
           <a:p>
             <a:pPr algn="ctr">
               <a:lnSpc>
@@ -6094,13 +6538,7 @@
               <a:rPr lang="es-EC" sz="4760">
                 <a:latin typeface="Arial"/>
               </a:rPr>
-              <a:t> </a:t>
-            </a:r>
-            <a:r>
-              <a:rPr lang="es-EC" sz="4760">
-                <a:latin typeface="Arial"/>
-              </a:rPr>
-              <a:t>Elementos de una Política de Seguridad Informática</a:t>
+              <a:t> Elementos de una Política de Seguridad Informática</a:t>
             </a:r>
             <a:endParaRPr/>
           </a:p>
@@ -6126,96 +6564,74 @@
           </a:ln>
         </p:spPr>
         <p:txBody>
-          <a:bodyPr lIns="90000" rIns="90000" tIns="45000" bIns="45000"/>
-          <a:p>
-            <a:pPr>
+          <a:bodyPr lIns="90000" tIns="45000" rIns="90000" bIns="45000"/>
+          <a:lstStyle/>
+          <a:p>
+            <a:pPr marL="457200" indent="-457200">
               <a:lnSpc>
                 <a:spcPct val="100000"/>
               </a:lnSpc>
               <a:buSzPct val="45000"/>
-              <a:buFont typeface="StarSymbol"/>
-              <a:buChar char="l"/>
+              <a:buFont typeface="Wingdings" pitchFamily="2" charset="2"/>
+              <a:buChar char="Ø"/>
             </a:pPr>
             <a:r>
-              <a:rPr lang="es-EC" sz="2800">
+              <a:rPr lang="es-EC" sz="2800" dirty="0">
                 <a:latin typeface="Colibri"/>
               </a:rPr>
               <a:t>Alcance de las políticas, incluyendo facilidades, sistemas y personal sobre la cual aplica.</a:t>
             </a:r>
-            <a:endParaRPr/>
-          </a:p>
-          <a:p>
-            <a:pPr>
+            <a:endParaRPr dirty="0"/>
+          </a:p>
+          <a:p>
+            <a:pPr marL="457200" indent="-457200">
               <a:lnSpc>
                 <a:spcPct val="100000"/>
               </a:lnSpc>
               <a:buSzPct val="45000"/>
-              <a:buFont typeface="StarSymbol"/>
-              <a:buChar char="l"/>
+              <a:buFont typeface="Wingdings" pitchFamily="2" charset="2"/>
+              <a:buChar char="Ø"/>
             </a:pPr>
             <a:r>
-              <a:rPr lang="es-EC" sz="2800">
+              <a:rPr lang="es-EC" sz="2800" dirty="0">
                 <a:latin typeface="Colibri"/>
               </a:rPr>
               <a:t>Objetivos de la política y descripción clara de los elementos involucrados en su definición.</a:t>
             </a:r>
-            <a:endParaRPr/>
-          </a:p>
-          <a:p>
-            <a:pPr>
+            <a:endParaRPr dirty="0"/>
+          </a:p>
+          <a:p>
+            <a:pPr marL="457200" indent="-457200">
               <a:lnSpc>
                 <a:spcPct val="100000"/>
               </a:lnSpc>
               <a:buSzPct val="45000"/>
-              <a:buFont typeface="StarSymbol"/>
-              <a:buChar char="l"/>
+              <a:buFont typeface="Wingdings" pitchFamily="2" charset="2"/>
+              <a:buChar char="Ø"/>
             </a:pPr>
             <a:r>
-              <a:rPr lang="es-EC" sz="2800">
+              <a:rPr lang="es-EC" sz="2800" dirty="0">
                 <a:latin typeface="Colibri"/>
               </a:rPr>
               <a:t>Responsabilidades por cada uno de los servicios y recursos informáticos aplicado a todos los niveles de la organización.</a:t>
             </a:r>
-            <a:endParaRPr/>
-          </a:p>
-          <a:p>
-            <a:pPr>
+            <a:endParaRPr dirty="0"/>
+          </a:p>
+          <a:p>
+            <a:pPr marL="285750" indent="-285750">
               <a:lnSpc>
                 <a:spcPct val="100000"/>
               </a:lnSpc>
+              <a:buFont typeface="Wingdings" pitchFamily="2" charset="2"/>
+              <a:buChar char="Ø"/>
             </a:pPr>
-            <a:endParaRPr/>
+            <a:endParaRPr dirty="0"/>
           </a:p>
         </p:txBody>
       </p:sp>
       <p:pic>
         <p:nvPicPr>
-          <p:cNvPr id="159" name="" descr=""/>
-          <p:cNvPicPr/>
-          <p:nvPr/>
-        </p:nvPicPr>
-        <p:blipFill>
-          <a:blip r:embed="rId1"/>
-          <a:stretch>
-            <a:fillRect/>
-          </a:stretch>
-        </p:blipFill>
-        <p:spPr>
-          <a:xfrm>
-            <a:off x="6899760" y="4248000"/>
-            <a:ext cx="2747880" cy="2812320"/>
-          </a:xfrm>
-          <a:prstGeom prst="rect">
-            <a:avLst/>
-          </a:prstGeom>
-          <a:ln>
-            <a:noFill/>
-          </a:ln>
-        </p:spPr>
-      </p:pic>
-      <p:pic>
-        <p:nvPicPr>
-          <p:cNvPr id="160" name="" descr=""/>
+          <p:cNvPr id="159" name="158 Imagen"/>
           <p:cNvPicPr/>
           <p:nvPr/>
         </p:nvPicPr>
@@ -6227,8 +6643,8 @@
         </p:blipFill>
         <p:spPr>
           <a:xfrm>
-            <a:off x="6120000" y="1728000"/>
-            <a:ext cx="3743640" cy="2087640"/>
+            <a:off x="6899760" y="4248000"/>
+            <a:ext cx="2747880" cy="2812320"/>
           </a:xfrm>
           <a:prstGeom prst="rect">
             <a:avLst/>
@@ -6238,24 +6654,52 @@
           </a:ln>
         </p:spPr>
       </p:pic>
+      <p:pic>
+        <p:nvPicPr>
+          <p:cNvPr id="160" name="159 Imagen"/>
+          <p:cNvPicPr/>
+          <p:nvPr/>
+        </p:nvPicPr>
+        <p:blipFill>
+          <a:blip r:embed="rId3"/>
+          <a:stretch>
+            <a:fillRect/>
+          </a:stretch>
+        </p:blipFill>
+        <p:spPr>
+          <a:xfrm>
+            <a:off x="6120000" y="1728000"/>
+            <a:ext cx="3743640" cy="2087640"/>
+          </a:xfrm>
+          <a:prstGeom prst="rect">
+            <a:avLst/>
+          </a:prstGeom>
+          <a:ln>
+            <a:noFill/>
+          </a:ln>
+        </p:spPr>
+      </p:pic>
     </p:spTree>
   </p:cSld>
+  <p:clrMapOvr>
+    <a:masterClrMapping/>
+  </p:clrMapOvr>
   <p:timing>
     <p:tnLst>
       <p:par>
-        <p:cTn id="7" dur="indefinite" restart="never" nodeType="tmRoot">
+        <p:cTn id="1" dur="indefinite" restart="never" nodeType="tmRoot">
           <p:childTnLst>
             <p:seq>
-              <p:cTn id="8" nodeType="mainSeq"/>
+              <p:cTn id="2" nodeType="mainSeq"/>
               <p:prevCondLst>
-                <p:cond delay="0" evt="onPrev">
+                <p:cond evt="onPrev" delay="0">
                   <p:tgtEl>
                     <p:sldTgt/>
                   </p:tgtEl>
                 </p:cond>
               </p:prevCondLst>
               <p:nextCondLst>
-                <p:cond delay="0" evt="onNext">
+                <p:cond evt="onNext" delay="0">
                   <p:tgtEl>
                     <p:sldTgt/>
                   </p:tgtEl>
@@ -6271,7 +6715,7 @@
 </file>
 
 <file path=ppt/slides/slide5.xml><?xml version="1.0" encoding="utf-8"?>
-<p:sld xmlns:a="http://schemas.openxmlformats.org/drawingml/2006/main" xmlns:p="http://schemas.openxmlformats.org/presentationml/2006/main" xmlns:r="http://schemas.openxmlformats.org/officeDocument/2006/relationships">
+<p:sld xmlns:a="http://schemas.openxmlformats.org/drawingml/2006/main" xmlns:r="http://schemas.openxmlformats.org/officeDocument/2006/relationships" xmlns:p="http://schemas.openxmlformats.org/presentationml/2006/main">
   <p:cSld>
     <p:spTree>
       <p:nvGrpSpPr>
@@ -6307,88 +6751,70 @@
           </a:ln>
         </p:spPr>
         <p:txBody>
-          <a:bodyPr lIns="90000" rIns="90000" tIns="45000" bIns="45000"/>
-          <a:p>
-            <a:pPr>
+          <a:bodyPr lIns="90000" tIns="45000" rIns="90000" bIns="45000"/>
+          <a:lstStyle/>
+          <a:p>
+            <a:pPr marL="457200" indent="-457200">
               <a:lnSpc>
                 <a:spcPct val="100000"/>
               </a:lnSpc>
               <a:buSzPct val="45000"/>
-              <a:buFont typeface="StarSymbol"/>
-              <a:buChar char="l"/>
+              <a:buFont typeface="Wingdings" pitchFamily="2" charset="2"/>
+              <a:buChar char="Ø"/>
             </a:pPr>
             <a:r>
-              <a:rPr lang="es-EC" sz="2800">
+              <a:rPr lang="es-EC" sz="2800" dirty="0" smtClean="0">
                 <a:latin typeface="Colibri"/>
               </a:rPr>
-              <a:t>Requerimientos mínimos para configuración de la seguridad de los sistemas que abarca el alcance de la política.</a:t>
+              <a:t>Requerimientos </a:t>
             </a:r>
-            <a:endParaRPr/>
-          </a:p>
-          <a:p>
-            <a:pPr>
+            <a:r>
+              <a:rPr lang="es-EC" sz="2800" dirty="0">
+                <a:latin typeface="Colibri"/>
+              </a:rPr>
+              <a:t>mínimos para configuración de la seguridad de los sistemas que abarca el alcance de la política.</a:t>
+            </a:r>
+            <a:endParaRPr dirty="0"/>
+          </a:p>
+          <a:p>
+            <a:pPr marL="457200" indent="-457200">
               <a:lnSpc>
                 <a:spcPct val="100000"/>
               </a:lnSpc>
               <a:buSzPct val="45000"/>
-              <a:buFont typeface="StarSymbol"/>
-              <a:buChar char="l"/>
+              <a:buFont typeface="Wingdings" pitchFamily="2" charset="2"/>
+              <a:buChar char="Ø"/>
             </a:pPr>
             <a:r>
-              <a:rPr lang="es-EC" sz="2800">
+              <a:rPr lang="es-EC" sz="2800" dirty="0">
                 <a:latin typeface="Colibri"/>
               </a:rPr>
               <a:t>Definición de violaciones y sanciones por no cumplir con las políticas</a:t>
             </a:r>
-            <a:endParaRPr/>
-          </a:p>
-          <a:p>
-            <a:pPr>
+            <a:endParaRPr dirty="0"/>
+          </a:p>
+          <a:p>
+            <a:pPr marL="457200" indent="-457200">
               <a:lnSpc>
                 <a:spcPct val="100000"/>
               </a:lnSpc>
               <a:buSzPct val="45000"/>
-              <a:buFont typeface="StarSymbol"/>
-              <a:buChar char="l"/>
+              <a:buFont typeface="Wingdings" pitchFamily="2" charset="2"/>
+              <a:buChar char="Ø"/>
             </a:pPr>
             <a:r>
-              <a:rPr lang="es-EC" sz="2800">
+              <a:rPr lang="es-EC" sz="2800" dirty="0">
                 <a:latin typeface="Colibri"/>
               </a:rPr>
               <a:t>Responsabilidades de los usuarios con respecto a la información a la que tiene acceso.</a:t>
             </a:r>
-            <a:endParaRPr/>
+            <a:endParaRPr dirty="0"/>
           </a:p>
         </p:txBody>
       </p:sp>
       <p:pic>
         <p:nvPicPr>
-          <p:cNvPr id="162" name="" descr=""/>
-          <p:cNvPicPr/>
-          <p:nvPr/>
-        </p:nvPicPr>
-        <p:blipFill>
-          <a:blip r:embed="rId1"/>
-          <a:stretch>
-            <a:fillRect/>
-          </a:stretch>
-        </p:blipFill>
-        <p:spPr>
-          <a:xfrm>
-            <a:off x="6807960" y="4071240"/>
-            <a:ext cx="2840040" cy="3200760"/>
-          </a:xfrm>
-          <a:prstGeom prst="rect">
-            <a:avLst/>
-          </a:prstGeom>
-          <a:ln>
-            <a:noFill/>
-          </a:ln>
-        </p:spPr>
-      </p:pic>
-      <p:pic>
-        <p:nvPicPr>
-          <p:cNvPr id="163" name="" descr=""/>
+          <p:cNvPr id="162" name="161 Imagen"/>
           <p:cNvPicPr/>
           <p:nvPr/>
         </p:nvPicPr>
@@ -6400,8 +6826,8 @@
         </p:blipFill>
         <p:spPr>
           <a:xfrm>
-            <a:off x="6696000" y="791640"/>
-            <a:ext cx="2951640" cy="2952000"/>
+            <a:off x="6807960" y="4071240"/>
+            <a:ext cx="2840040" cy="3200760"/>
           </a:xfrm>
           <a:prstGeom prst="rect">
             <a:avLst/>
@@ -6411,24 +6837,52 @@
           </a:ln>
         </p:spPr>
       </p:pic>
+      <p:pic>
+        <p:nvPicPr>
+          <p:cNvPr id="163" name="162 Imagen"/>
+          <p:cNvPicPr/>
+          <p:nvPr/>
+        </p:nvPicPr>
+        <p:blipFill>
+          <a:blip r:embed="rId3"/>
+          <a:stretch>
+            <a:fillRect/>
+          </a:stretch>
+        </p:blipFill>
+        <p:spPr>
+          <a:xfrm>
+            <a:off x="6696000" y="791640"/>
+            <a:ext cx="2951640" cy="2952000"/>
+          </a:xfrm>
+          <a:prstGeom prst="rect">
+            <a:avLst/>
+          </a:prstGeom>
+          <a:ln>
+            <a:noFill/>
+          </a:ln>
+        </p:spPr>
+      </p:pic>
     </p:spTree>
   </p:cSld>
+  <p:clrMapOvr>
+    <a:masterClrMapping/>
+  </p:clrMapOvr>
   <p:timing>
     <p:tnLst>
       <p:par>
-        <p:cTn id="9" dur="indefinite" restart="never" nodeType="tmRoot">
+        <p:cTn id="1" dur="indefinite" restart="never" nodeType="tmRoot">
           <p:childTnLst>
             <p:seq>
-              <p:cTn id="10" nodeType="mainSeq"/>
+              <p:cTn id="2" nodeType="mainSeq"/>
               <p:prevCondLst>
-                <p:cond delay="0" evt="onPrev">
+                <p:cond evt="onPrev" delay="0">
                   <p:tgtEl>
                     <p:sldTgt/>
                   </p:tgtEl>
                 </p:cond>
               </p:prevCondLst>
               <p:nextCondLst>
-                <p:cond delay="0" evt="onNext">
+                <p:cond evt="onNext" delay="0">
                   <p:tgtEl>
                     <p:sldTgt/>
                   </p:tgtEl>
@@ -6444,7 +6898,7 @@
 </file>
 
 <file path=ppt/slides/slide6.xml><?xml version="1.0" encoding="utf-8"?>
-<p:sld xmlns:a="http://schemas.openxmlformats.org/drawingml/2006/main" xmlns:p="http://schemas.openxmlformats.org/presentationml/2006/main" xmlns:r="http://schemas.openxmlformats.org/officeDocument/2006/relationships">
+<p:sld xmlns:a="http://schemas.openxmlformats.org/drawingml/2006/main" xmlns:r="http://schemas.openxmlformats.org/officeDocument/2006/relationships" xmlns:p="http://schemas.openxmlformats.org/presentationml/2006/main">
   <p:cSld>
     <p:spTree>
       <p:nvGrpSpPr>
@@ -6476,7 +6930,8 @@
           </a:prstGeom>
         </p:spPr>
         <p:txBody>
-          <a:bodyPr lIns="0" rIns="0" tIns="0" bIns="0" anchor="ctr"/>
+          <a:bodyPr lIns="0" tIns="0" rIns="0" bIns="0" anchor="ctr"/>
+          <a:lstStyle/>
           <a:p>
             <a:pPr algn="ctr"/>
             <a:r>
@@ -6505,69 +6960,133 @@
           </a:prstGeom>
         </p:spPr>
         <p:txBody>
-          <a:bodyPr lIns="90000" rIns="90000" tIns="45000" bIns="45000"/>
-          <a:p>
-            <a:pPr>
+          <a:bodyPr lIns="90000" tIns="45000" rIns="90000" bIns="45000"/>
+          <a:lstStyle/>
+          <a:p>
+            <a:pPr marL="342900" indent="-342900">
               <a:buSzPct val="45000"/>
-              <a:buFont typeface="StarSymbol"/>
-              <a:buChar char=""/>
+              <a:buFont typeface="Wingdings" pitchFamily="2" charset="2"/>
+              <a:buChar char="Ø"/>
             </a:pPr>
             <a:r>
-              <a:rPr lang="es-EC" sz="2400">
+              <a:rPr lang="es-EC" sz="2400" dirty="0">
                 <a:latin typeface="Colibri"/>
               </a:rPr>
               <a:t>Efectuar un análisis de riesgos informáticos, para valorar los activos y así adecuar las políticas a la realidad de la empresa.</a:t>
             </a:r>
-            <a:endParaRPr/>
-          </a:p>
-          <a:p>
-            <a:pPr>
+            <a:endParaRPr dirty="0"/>
+          </a:p>
+          <a:p>
+            <a:pPr marL="342900" indent="-342900">
               <a:buSzPct val="45000"/>
-              <a:buFont typeface="StarSymbol"/>
-              <a:buChar char=""/>
+              <a:buFont typeface="Wingdings" pitchFamily="2" charset="2"/>
+              <a:buChar char="Ø"/>
             </a:pPr>
             <a:r>
-              <a:rPr lang="es-EC" sz="2400">
+              <a:rPr lang="es-EC" sz="2400" dirty="0">
                 <a:latin typeface="Colibri"/>
               </a:rPr>
               <a:t>Reunirse con los departamentos dueños de los recursos, ya que ellos poseen la experiencia y son la principal fuente para establecer el alcance y definir las violaciones a las políticas</a:t>
             </a:r>
-            <a:endParaRPr/>
-          </a:p>
-          <a:p>
-            <a:pPr>
+            <a:endParaRPr dirty="0"/>
+          </a:p>
+          <a:p>
+            <a:pPr marL="342900" indent="-342900">
               <a:buSzPct val="45000"/>
-              <a:buFont typeface="StarSymbol"/>
-              <a:buChar char=""/>
+              <a:buFont typeface="Wingdings" pitchFamily="2" charset="2"/>
+              <a:buChar char="Ø"/>
             </a:pPr>
             <a:r>
-              <a:rPr lang="es-EC" sz="2400">
+              <a:rPr lang="es-EC" sz="2400" dirty="0">
                 <a:latin typeface="Colibri"/>
               </a:rPr>
               <a:t>Comunicar a todo el personal involucrado sobre el desarrollo de las políticas, incluyendo los beneficios y riesgos relacionados con los recursos y bienes, y sus elementos de seguridad</a:t>
             </a:r>
-            <a:endParaRPr/>
-          </a:p>
-        </p:txBody>
-      </p:sp>
+            <a:endParaRPr dirty="0"/>
+          </a:p>
+        </p:txBody>
+      </p:sp>
+      <p:pic>
+        <p:nvPicPr>
+          <p:cNvPr id="2" name="1 Imagen"/>
+          <p:cNvPicPr>
+            <a:picLocks noChangeAspect="1"/>
+          </p:cNvPicPr>
+          <p:nvPr/>
+        </p:nvPicPr>
+        <p:blipFill>
+          <a:blip r:embed="rId2">
+            <a:extLst>
+              <a:ext uri="{28A0092B-C50C-407E-A947-70E740481C1C}">
+                <a14:useLocalDpi xmlns:a14="http://schemas.microsoft.com/office/drawing/2010/main" val="0"/>
+              </a:ext>
+            </a:extLst>
+          </a:blip>
+          <a:stretch>
+            <a:fillRect/>
+          </a:stretch>
+        </p:blipFill>
+        <p:spPr>
+          <a:xfrm>
+            <a:off x="6840000" y="2179637"/>
+            <a:ext cx="3019962" cy="1762125"/>
+          </a:xfrm>
+          <a:prstGeom prst="rect">
+            <a:avLst/>
+          </a:prstGeom>
+        </p:spPr>
+      </p:pic>
+      <p:pic>
+        <p:nvPicPr>
+          <p:cNvPr id="3" name="2 Imagen"/>
+          <p:cNvPicPr>
+            <a:picLocks noChangeAspect="1"/>
+          </p:cNvPicPr>
+          <p:nvPr/>
+        </p:nvPicPr>
+        <p:blipFill>
+          <a:blip r:embed="rId3">
+            <a:extLst>
+              <a:ext uri="{28A0092B-C50C-407E-A947-70E740481C1C}">
+                <a14:useLocalDpi xmlns:a14="http://schemas.microsoft.com/office/drawing/2010/main" val="0"/>
+              </a:ext>
+            </a:extLst>
+          </a:blip>
+          <a:stretch>
+            <a:fillRect/>
+          </a:stretch>
+        </p:blipFill>
+        <p:spPr>
+          <a:xfrm>
+            <a:off x="6840000" y="4699260"/>
+            <a:ext cx="3015834" cy="2433376"/>
+          </a:xfrm>
+          <a:prstGeom prst="rect">
+            <a:avLst/>
+          </a:prstGeom>
+        </p:spPr>
+      </p:pic>
     </p:spTree>
   </p:cSld>
+  <p:clrMapOvr>
+    <a:masterClrMapping/>
+  </p:clrMapOvr>
   <p:timing>
     <p:tnLst>
       <p:par>
-        <p:cTn id="11" dur="indefinite" restart="never" nodeType="tmRoot">
+        <p:cTn id="1" dur="indefinite" restart="never" nodeType="tmRoot">
           <p:childTnLst>
             <p:seq>
-              <p:cTn id="12" nodeType="mainSeq"/>
+              <p:cTn id="2" nodeType="mainSeq"/>
               <p:prevCondLst>
-                <p:cond delay="0" evt="onPrev">
+                <p:cond evt="onPrev" delay="0">
                   <p:tgtEl>
                     <p:sldTgt/>
                   </p:tgtEl>
                 </p:cond>
               </p:prevCondLst>
               <p:nextCondLst>
-                <p:cond delay="0" evt="onNext">
+                <p:cond evt="onNext" delay="0">
                   <p:tgtEl>
                     <p:sldTgt/>
                   </p:tgtEl>
@@ -6583,7 +7102,7 @@
 </file>
 
 <file path=ppt/slides/slide7.xml><?xml version="1.0" encoding="utf-8"?>
-<p:sld xmlns:a="http://schemas.openxmlformats.org/drawingml/2006/main" xmlns:p="http://schemas.openxmlformats.org/presentationml/2006/main" xmlns:r="http://schemas.openxmlformats.org/officeDocument/2006/relationships">
+<p:sld xmlns:a="http://schemas.openxmlformats.org/drawingml/2006/main" xmlns:r="http://schemas.openxmlformats.org/officeDocument/2006/relationships" xmlns:p="http://schemas.openxmlformats.org/presentationml/2006/main">
   <p:cSld>
     <p:spTree>
       <p:nvGrpSpPr>
@@ -6615,83 +7134,155 @@
           </a:prstGeom>
         </p:spPr>
         <p:txBody>
-          <a:bodyPr lIns="90000" rIns="90000" tIns="45000" bIns="45000"/>
-          <a:p>
-            <a:pPr>
+          <a:bodyPr lIns="90000" tIns="45000" rIns="90000" bIns="45000"/>
+          <a:lstStyle/>
+          <a:p>
+            <a:pPr marL="342900" indent="-342900">
               <a:buSzPct val="45000"/>
-              <a:buFont typeface="StarSymbol"/>
-              <a:buChar char=""/>
+              <a:buFont typeface="Wingdings" pitchFamily="2" charset="2"/>
+              <a:buChar char="Ø"/>
             </a:pPr>
             <a:r>
-              <a:rPr lang="es-EC" sz="2400">
+              <a:rPr lang="es-EC" sz="2400" dirty="0">
                 <a:latin typeface="Colibri"/>
               </a:rPr>
               <a:t>Identificar quién tiene la autoridad para tomar decisiones en cada departamento, pues son ellos los interesados en salvaguardar los activos críticos su área.</a:t>
             </a:r>
-            <a:endParaRPr/>
-          </a:p>
-          <a:p>
-            <a:pPr>
+            <a:endParaRPr dirty="0"/>
+          </a:p>
+          <a:p>
+            <a:pPr marL="342900" indent="-342900">
               <a:buSzPct val="45000"/>
-              <a:buFont typeface="StarSymbol"/>
-              <a:buChar char=""/>
+              <a:buFont typeface="Wingdings" pitchFamily="2" charset="2"/>
+              <a:buChar char="Ø"/>
             </a:pPr>
             <a:r>
-              <a:rPr lang="es-EC" sz="2400">
+              <a:rPr lang="es-EC" sz="2400" dirty="0">
                 <a:latin typeface="Colibri"/>
               </a:rPr>
               <a:t>Monitorear periódicamente los procedimientos y operaciones de la empresa, de forma tal, que ante cambios las políticas puedan actualizarse oportunamente.</a:t>
             </a:r>
-            <a:endParaRPr/>
-          </a:p>
-          <a:p>
-            <a:pPr>
+            <a:endParaRPr dirty="0"/>
+          </a:p>
+          <a:p>
+            <a:pPr marL="342900" indent="-342900">
               <a:buSzPct val="45000"/>
-              <a:buFont typeface="StarSymbol"/>
-              <a:buChar char=""/>
+              <a:buFont typeface="Wingdings" pitchFamily="2" charset="2"/>
+              <a:buChar char="Ø"/>
             </a:pPr>
             <a:r>
-              <a:rPr lang="es-EC" sz="2400">
+              <a:rPr lang="es-EC" sz="2400" dirty="0">
                 <a:latin typeface="Colibri"/>
               </a:rPr>
-              <a:t>Detallar explícita y concretamente el alcance de las políticas con el propósito de evitar situaciones de tensión al momento de establecer los mecanismos de</a:t>
+              <a:t>Detallar explícita y concretamente el alcance de las políticas con el propósito de evitar situaciones de tensión al momento de establecer los mecanismos </a:t>
             </a:r>
-            <a:endParaRPr/>
-          </a:p>
-          <a:p>
-            <a:pPr>
-              <a:buSzPct val="45000"/>
-              <a:buFont typeface="StarSymbol"/>
-              <a:buChar char=""/>
-            </a:pPr>
             <a:r>
-              <a:rPr lang="es-EC" sz="2400">
+              <a:rPr lang="es-EC" sz="2400" dirty="0" smtClean="0">
                 <a:latin typeface="Colibri"/>
               </a:rPr>
-              <a:t>seguridad que respondan a las políticas trazadas.</a:t>
+              <a:t>de</a:t>
             </a:r>
-            <a:endParaRPr/>
-          </a:p>
-        </p:txBody>
-      </p:sp>
+            <a:r>
+              <a:rPr lang="es-EC" dirty="0"/>
+              <a:t> </a:t>
+            </a:r>
+            <a:r>
+              <a:rPr lang="es-EC" sz="2400" dirty="0" smtClean="0">
+                <a:latin typeface="Colibri"/>
+              </a:rPr>
+              <a:t>seguridad </a:t>
+            </a:r>
+            <a:r>
+              <a:rPr lang="es-EC" sz="2400" dirty="0">
+                <a:latin typeface="Colibri"/>
+              </a:rPr>
+              <a:t>que respondan a las políticas trazadas.</a:t>
+            </a:r>
+            <a:endParaRPr dirty="0"/>
+          </a:p>
+        </p:txBody>
+      </p:sp>
+      <p:pic>
+        <p:nvPicPr>
+          <p:cNvPr id="2" name="1 Imagen"/>
+          <p:cNvPicPr>
+            <a:picLocks noChangeAspect="1"/>
+          </p:cNvPicPr>
+          <p:nvPr/>
+        </p:nvPicPr>
+        <p:blipFill>
+          <a:blip r:embed="rId2" cstate="print">
+            <a:extLst>
+              <a:ext uri="{28A0092B-C50C-407E-A947-70E740481C1C}">
+                <a14:useLocalDpi xmlns:a14="http://schemas.microsoft.com/office/drawing/2010/main" val="0"/>
+              </a:ext>
+            </a:extLst>
+          </a:blip>
+          <a:stretch>
+            <a:fillRect/>
+          </a:stretch>
+        </p:blipFill>
+        <p:spPr>
+          <a:xfrm>
+            <a:off x="6564312" y="863999"/>
+            <a:ext cx="3200400" cy="2306237"/>
+          </a:xfrm>
+          <a:prstGeom prst="rect">
+            <a:avLst/>
+          </a:prstGeom>
+        </p:spPr>
+      </p:pic>
+      <p:pic>
+        <p:nvPicPr>
+          <p:cNvPr id="3" name="2 Imagen"/>
+          <p:cNvPicPr>
+            <a:picLocks noChangeAspect="1"/>
+          </p:cNvPicPr>
+          <p:nvPr/>
+        </p:nvPicPr>
+        <p:blipFill>
+          <a:blip r:embed="rId3">
+            <a:extLst>
+              <a:ext uri="{28A0092B-C50C-407E-A947-70E740481C1C}">
+                <a14:useLocalDpi xmlns:a14="http://schemas.microsoft.com/office/drawing/2010/main" val="0"/>
+              </a:ext>
+            </a:extLst>
+          </a:blip>
+          <a:stretch>
+            <a:fillRect/>
+          </a:stretch>
+        </p:blipFill>
+        <p:spPr>
+          <a:xfrm>
+            <a:off x="6564312" y="3475037"/>
+            <a:ext cx="3200400" cy="3333750"/>
+          </a:xfrm>
+          <a:prstGeom prst="rect">
+            <a:avLst/>
+          </a:prstGeom>
+        </p:spPr>
+      </p:pic>
     </p:spTree>
   </p:cSld>
+  <p:clrMapOvr>
+    <a:masterClrMapping/>
+  </p:clrMapOvr>
   <p:timing>
     <p:tnLst>
       <p:par>
-        <p:cTn id="13" dur="indefinite" restart="never" nodeType="tmRoot">
+        <p:cTn id="1" dur="indefinite" restart="never" nodeType="tmRoot">
           <p:childTnLst>
             <p:seq>
-              <p:cTn id="14" nodeType="mainSeq"/>
+              <p:cTn id="2" nodeType="mainSeq"/>
               <p:prevCondLst>
-                <p:cond delay="0" evt="onPrev">
+                <p:cond evt="onPrev" delay="0">
                   <p:tgtEl>
                     <p:sldTgt/>
                   </p:tgtEl>
                 </p:cond>
               </p:prevCondLst>
               <p:nextCondLst>
-                <p:cond delay="0" evt="onNext">
+                <p:cond evt="onNext" delay="0">
                   <p:tgtEl>
                     <p:sldTgt/>
                   </p:tgtEl>
@@ -6926,6 +7517,8 @@
       </a:bgFillStyleLst>
     </a:fmtScheme>
   </a:themeElements>
+  <a:objectDefaults/>
+  <a:extraClrSchemeLst/>
 </a:theme>
 </file>
 
@@ -7149,6 +7742,8 @@
       </a:bgFillStyleLst>
     </a:fmtScheme>
   </a:themeElements>
+  <a:objectDefaults/>
+  <a:extraClrSchemeLst/>
 </a:theme>
 </file>
 
@@ -7372,6 +7967,8 @@
       </a:bgFillStyleLst>
     </a:fmtScheme>
   </a:themeElements>
+  <a:objectDefaults/>
+  <a:extraClrSchemeLst/>
 </a:theme>
 </file>
 
@@ -7595,5 +8192,7 @@
       </a:bgFillStyleLst>
     </a:fmtScheme>
   </a:themeElements>
+  <a:objectDefaults/>
+  <a:extraClrSchemeLst/>
 </a:theme>
 </file>